--- a/DR111-Keycoder2.0.pptx
+++ b/DR111-Keycoder2.0.pptx
@@ -4,6 +4,9 @@
   <p:sldMasterIdLst>
     <p:sldMasterId id="2147483660" r:id="rId1"/>
   </p:sldMasterIdLst>
+  <p:notesMasterIdLst>
+    <p:notesMasterId r:id="rId8"/>
+  </p:notesMasterIdLst>
   <p:sldIdLst>
     <p:sldId id="256" r:id="rId2"/>
     <p:sldId id="257" r:id="rId3"/>
@@ -109,6 +112,11 @@
       </a:defRPr>
     </a:lvl9pPr>
   </p:defaultTextStyle>
+  <p:extLst>
+    <p:ext uri="{EFAFB233-063F-42B5-8137-9DF3F51BA10A}">
+      <p15:sldGuideLst xmlns:p15="http://schemas.microsoft.com/office/powerpoint/2012/main"/>
+    </p:ext>
+  </p:extLst>
 </p:presentation>
 </file>
 
@@ -1095,7 +1103,7 @@
         <a:p>
           <a:r>
             <a:rPr lang="en-IN" dirty="0"/>
-            <a:t>CSS</a:t>
+            <a:t>CSS, Bootstrap(Framework)</a:t>
           </a:r>
         </a:p>
       </dgm:t>
@@ -1280,7 +1288,7 @@
         <a:p>
           <a:r>
             <a:rPr lang="en-IN" dirty="0"/>
-            <a:t>Code Igniter</a:t>
+            <a:t>CodeIgniter(Framework)</a:t>
           </a:r>
         </a:p>
       </dgm:t>
@@ -1316,7 +1324,7 @@
         <a:p>
           <a:r>
             <a:rPr lang="en-IN" dirty="0"/>
-            <a:t>AJAX</a:t>
+            <a:t>AJAX(Technology)</a:t>
           </a:r>
         </a:p>
       </dgm:t>
@@ -1871,7 +1879,7 @@
           </a:pPr>
           <a:r>
             <a:rPr lang="en-IN" sz="2400" kern="1200" dirty="0"/>
-            <a:t>CSS</a:t>
+            <a:t>CSS, Bootstrap(Framework)</a:t>
           </a:r>
         </a:p>
         <a:p>
@@ -2112,7 +2120,7 @@
           </a:pPr>
           <a:r>
             <a:rPr lang="en-IN" sz="2400" kern="1200" dirty="0"/>
-            <a:t>Code Igniter</a:t>
+            <a:t>CodeIgniter(Framework)</a:t>
           </a:r>
         </a:p>
         <a:p>
@@ -2130,7 +2138,7 @@
           </a:pPr>
           <a:r>
             <a:rPr lang="en-IN" sz="2400" kern="1200" dirty="0"/>
-            <a:t>AJAX</a:t>
+            <a:t>AJAX(Technology)</a:t>
           </a:r>
         </a:p>
       </dsp:txBody>
@@ -3685,6 +3693,440 @@
 </dgm:styleDef>
 </file>
 
+<file path=ppt/notesMasters/notesMaster1.xml><?xml version="1.0" encoding="utf-8"?>
+<p:notesMaster xmlns:a="http://schemas.openxmlformats.org/drawingml/2006/main" xmlns:r="http://schemas.openxmlformats.org/officeDocument/2006/relationships" xmlns:p="http://schemas.openxmlformats.org/presentationml/2006/main">
+  <p:cSld>
+    <p:bg>
+      <p:bgRef idx="1001">
+        <a:schemeClr val="bg1"/>
+      </p:bgRef>
+    </p:bg>
+    <p:spTree>
+      <p:nvGrpSpPr>
+        <p:cNvPr id="1" name=""/>
+        <p:cNvGrpSpPr/>
+        <p:nvPr/>
+      </p:nvGrpSpPr>
+      <p:grpSpPr>
+        <a:xfrm>
+          <a:off x="0" y="0"/>
+          <a:ext cx="0" cy="0"/>
+          <a:chOff x="0" y="0"/>
+          <a:chExt cx="0" cy="0"/>
+        </a:xfrm>
+      </p:grpSpPr>
+      <p:sp>
+        <p:nvSpPr>
+          <p:cNvPr id="2" name="Header Placeholder 1"/>
+          <p:cNvSpPr>
+            <a:spLocks noGrp="1"/>
+          </p:cNvSpPr>
+          <p:nvPr>
+            <p:ph type="hdr" sz="quarter"/>
+          </p:nvPr>
+        </p:nvSpPr>
+        <p:spPr>
+          <a:xfrm>
+            <a:off x="0" y="0"/>
+            <a:ext cx="2971800" cy="458788"/>
+          </a:xfrm>
+          <a:prstGeom prst="rect">
+            <a:avLst/>
+          </a:prstGeom>
+        </p:spPr>
+        <p:txBody>
+          <a:bodyPr vert="horz" lIns="91440" tIns="45720" rIns="91440" bIns="45720" rtlCol="0"/>
+          <a:lstStyle>
+            <a:lvl1pPr algn="l">
+              <a:defRPr sz="1200"/>
+            </a:lvl1pPr>
+          </a:lstStyle>
+          <a:p>
+            <a:endParaRPr lang="en-IN"/>
+          </a:p>
+        </p:txBody>
+      </p:sp>
+      <p:sp>
+        <p:nvSpPr>
+          <p:cNvPr id="3" name="Date Placeholder 2"/>
+          <p:cNvSpPr>
+            <a:spLocks noGrp="1"/>
+          </p:cNvSpPr>
+          <p:nvPr>
+            <p:ph type="dt" idx="1"/>
+          </p:nvPr>
+        </p:nvSpPr>
+        <p:spPr>
+          <a:xfrm>
+            <a:off x="3884613" y="0"/>
+            <a:ext cx="2971800" cy="458788"/>
+          </a:xfrm>
+          <a:prstGeom prst="rect">
+            <a:avLst/>
+          </a:prstGeom>
+        </p:spPr>
+        <p:txBody>
+          <a:bodyPr vert="horz" lIns="91440" tIns="45720" rIns="91440" bIns="45720" rtlCol="0"/>
+          <a:lstStyle>
+            <a:lvl1pPr algn="r">
+              <a:defRPr sz="1200"/>
+            </a:lvl1pPr>
+          </a:lstStyle>
+          <a:p>
+            <a:fld id="{57CD36B0-A24E-4F35-A81B-80FB2823EE57}" type="datetimeFigureOut">
+              <a:rPr lang="en-IN" smtClean="0"/>
+              <a:t>17-01-2020</a:t>
+            </a:fld>
+            <a:endParaRPr lang="en-IN"/>
+          </a:p>
+        </p:txBody>
+      </p:sp>
+      <p:sp>
+        <p:nvSpPr>
+          <p:cNvPr id="4" name="Slide Image Placeholder 3"/>
+          <p:cNvSpPr>
+            <a:spLocks noGrp="1" noRot="1" noChangeAspect="1"/>
+          </p:cNvSpPr>
+          <p:nvPr>
+            <p:ph type="sldImg" idx="2"/>
+          </p:nvPr>
+        </p:nvSpPr>
+        <p:spPr>
+          <a:xfrm>
+            <a:off x="685800" y="1143000"/>
+            <a:ext cx="5486400" cy="3086100"/>
+          </a:xfrm>
+          <a:prstGeom prst="rect">
+            <a:avLst/>
+          </a:prstGeom>
+          <a:noFill/>
+          <a:ln w="12700">
+            <a:solidFill>
+              <a:prstClr val="black"/>
+            </a:solidFill>
+          </a:ln>
+        </p:spPr>
+        <p:txBody>
+          <a:bodyPr vert="horz" lIns="91440" tIns="45720" rIns="91440" bIns="45720" rtlCol="0" anchor="ctr"/>
+          <a:lstStyle/>
+          <a:p>
+            <a:endParaRPr lang="en-IN"/>
+          </a:p>
+        </p:txBody>
+      </p:sp>
+      <p:sp>
+        <p:nvSpPr>
+          <p:cNvPr id="5" name="Notes Placeholder 4"/>
+          <p:cNvSpPr>
+            <a:spLocks noGrp="1"/>
+          </p:cNvSpPr>
+          <p:nvPr>
+            <p:ph type="body" sz="quarter" idx="3"/>
+          </p:nvPr>
+        </p:nvSpPr>
+        <p:spPr>
+          <a:xfrm>
+            <a:off x="685800" y="4400550"/>
+            <a:ext cx="5486400" cy="3600450"/>
+          </a:xfrm>
+          <a:prstGeom prst="rect">
+            <a:avLst/>
+          </a:prstGeom>
+        </p:spPr>
+        <p:txBody>
+          <a:bodyPr vert="horz" lIns="91440" tIns="45720" rIns="91440" bIns="45720" rtlCol="0"/>
+          <a:lstStyle/>
+          <a:p>
+            <a:pPr lvl="0"/>
+            <a:r>
+              <a:rPr lang="en-US"/>
+              <a:t>Click to edit Master text styles</a:t>
+            </a:r>
+          </a:p>
+          <a:p>
+            <a:pPr lvl="1"/>
+            <a:r>
+              <a:rPr lang="en-US"/>
+              <a:t>Second level</a:t>
+            </a:r>
+          </a:p>
+          <a:p>
+            <a:pPr lvl="2"/>
+            <a:r>
+              <a:rPr lang="en-US"/>
+              <a:t>Third level</a:t>
+            </a:r>
+          </a:p>
+          <a:p>
+            <a:pPr lvl="3"/>
+            <a:r>
+              <a:rPr lang="en-US"/>
+              <a:t>Fourth level</a:t>
+            </a:r>
+          </a:p>
+          <a:p>
+            <a:pPr lvl="4"/>
+            <a:r>
+              <a:rPr lang="en-US"/>
+              <a:t>Fifth level</a:t>
+            </a:r>
+            <a:endParaRPr lang="en-IN"/>
+          </a:p>
+        </p:txBody>
+      </p:sp>
+      <p:sp>
+        <p:nvSpPr>
+          <p:cNvPr id="6" name="Footer Placeholder 5"/>
+          <p:cNvSpPr>
+            <a:spLocks noGrp="1"/>
+          </p:cNvSpPr>
+          <p:nvPr>
+            <p:ph type="ftr" sz="quarter" idx="4"/>
+          </p:nvPr>
+        </p:nvSpPr>
+        <p:spPr>
+          <a:xfrm>
+            <a:off x="0" y="8685213"/>
+            <a:ext cx="2971800" cy="458787"/>
+          </a:xfrm>
+          <a:prstGeom prst="rect">
+            <a:avLst/>
+          </a:prstGeom>
+        </p:spPr>
+        <p:txBody>
+          <a:bodyPr vert="horz" lIns="91440" tIns="45720" rIns="91440" bIns="45720" rtlCol="0" anchor="b"/>
+          <a:lstStyle>
+            <a:lvl1pPr algn="l">
+              <a:defRPr sz="1200"/>
+            </a:lvl1pPr>
+          </a:lstStyle>
+          <a:p>
+            <a:endParaRPr lang="en-IN"/>
+          </a:p>
+        </p:txBody>
+      </p:sp>
+      <p:sp>
+        <p:nvSpPr>
+          <p:cNvPr id="7" name="Slide Number Placeholder 6"/>
+          <p:cNvSpPr>
+            <a:spLocks noGrp="1"/>
+          </p:cNvSpPr>
+          <p:nvPr>
+            <p:ph type="sldNum" sz="quarter" idx="5"/>
+          </p:nvPr>
+        </p:nvSpPr>
+        <p:spPr>
+          <a:xfrm>
+            <a:off x="3884613" y="8685213"/>
+            <a:ext cx="2971800" cy="458787"/>
+          </a:xfrm>
+          <a:prstGeom prst="rect">
+            <a:avLst/>
+          </a:prstGeom>
+        </p:spPr>
+        <p:txBody>
+          <a:bodyPr vert="horz" lIns="91440" tIns="45720" rIns="91440" bIns="45720" rtlCol="0" anchor="b"/>
+          <a:lstStyle>
+            <a:lvl1pPr algn="r">
+              <a:defRPr sz="1200"/>
+            </a:lvl1pPr>
+          </a:lstStyle>
+          <a:p>
+            <a:fld id="{7838D9FC-41CB-45EF-9578-12B2749250AF}" type="slidenum">
+              <a:rPr lang="en-IN" smtClean="0"/>
+              <a:t>‹#›</a:t>
+            </a:fld>
+            <a:endParaRPr lang="en-IN"/>
+          </a:p>
+        </p:txBody>
+      </p:sp>
+    </p:spTree>
+    <p:extLst>
+      <p:ext uri="{BB962C8B-B14F-4D97-AF65-F5344CB8AC3E}">
+        <p14:creationId xmlns:p14="http://schemas.microsoft.com/office/powerpoint/2010/main" val="3347220281"/>
+      </p:ext>
+    </p:extLst>
+  </p:cSld>
+  <p:clrMap bg1="lt1" tx1="dk1" bg2="lt2" tx2="dk2" accent1="accent1" accent2="accent2" accent3="accent3" accent4="accent4" accent5="accent5" accent6="accent6" hlink="hlink" folHlink="folHlink"/>
+  <p:notesStyle>
+    <a:lvl1pPr marL="0" algn="l" defTabSz="914400" rtl="0" eaLnBrk="1" latinLnBrk="0" hangingPunct="1">
+      <a:defRPr sz="1200" kern="1200">
+        <a:solidFill>
+          <a:schemeClr val="tx1"/>
+        </a:solidFill>
+        <a:latin typeface="+mn-lt"/>
+        <a:ea typeface="+mn-ea"/>
+        <a:cs typeface="+mn-cs"/>
+      </a:defRPr>
+    </a:lvl1pPr>
+    <a:lvl2pPr marL="457200" algn="l" defTabSz="914400" rtl="0" eaLnBrk="1" latinLnBrk="0" hangingPunct="1">
+      <a:defRPr sz="1200" kern="1200">
+        <a:solidFill>
+          <a:schemeClr val="tx1"/>
+        </a:solidFill>
+        <a:latin typeface="+mn-lt"/>
+        <a:ea typeface="+mn-ea"/>
+        <a:cs typeface="+mn-cs"/>
+      </a:defRPr>
+    </a:lvl2pPr>
+    <a:lvl3pPr marL="914400" algn="l" defTabSz="914400" rtl="0" eaLnBrk="1" latinLnBrk="0" hangingPunct="1">
+      <a:defRPr sz="1200" kern="1200">
+        <a:solidFill>
+          <a:schemeClr val="tx1"/>
+        </a:solidFill>
+        <a:latin typeface="+mn-lt"/>
+        <a:ea typeface="+mn-ea"/>
+        <a:cs typeface="+mn-cs"/>
+      </a:defRPr>
+    </a:lvl3pPr>
+    <a:lvl4pPr marL="1371600" algn="l" defTabSz="914400" rtl="0" eaLnBrk="1" latinLnBrk="0" hangingPunct="1">
+      <a:defRPr sz="1200" kern="1200">
+        <a:solidFill>
+          <a:schemeClr val="tx1"/>
+        </a:solidFill>
+        <a:latin typeface="+mn-lt"/>
+        <a:ea typeface="+mn-ea"/>
+        <a:cs typeface="+mn-cs"/>
+      </a:defRPr>
+    </a:lvl4pPr>
+    <a:lvl5pPr marL="1828800" algn="l" defTabSz="914400" rtl="0" eaLnBrk="1" latinLnBrk="0" hangingPunct="1">
+      <a:defRPr sz="1200" kern="1200">
+        <a:solidFill>
+          <a:schemeClr val="tx1"/>
+        </a:solidFill>
+        <a:latin typeface="+mn-lt"/>
+        <a:ea typeface="+mn-ea"/>
+        <a:cs typeface="+mn-cs"/>
+      </a:defRPr>
+    </a:lvl5pPr>
+    <a:lvl6pPr marL="2286000" algn="l" defTabSz="914400" rtl="0" eaLnBrk="1" latinLnBrk="0" hangingPunct="1">
+      <a:defRPr sz="1200" kern="1200">
+        <a:solidFill>
+          <a:schemeClr val="tx1"/>
+        </a:solidFill>
+        <a:latin typeface="+mn-lt"/>
+        <a:ea typeface="+mn-ea"/>
+        <a:cs typeface="+mn-cs"/>
+      </a:defRPr>
+    </a:lvl6pPr>
+    <a:lvl7pPr marL="2743200" algn="l" defTabSz="914400" rtl="0" eaLnBrk="1" latinLnBrk="0" hangingPunct="1">
+      <a:defRPr sz="1200" kern="1200">
+        <a:solidFill>
+          <a:schemeClr val="tx1"/>
+        </a:solidFill>
+        <a:latin typeface="+mn-lt"/>
+        <a:ea typeface="+mn-ea"/>
+        <a:cs typeface="+mn-cs"/>
+      </a:defRPr>
+    </a:lvl7pPr>
+    <a:lvl8pPr marL="3200400" algn="l" defTabSz="914400" rtl="0" eaLnBrk="1" latinLnBrk="0" hangingPunct="1">
+      <a:defRPr sz="1200" kern="1200">
+        <a:solidFill>
+          <a:schemeClr val="tx1"/>
+        </a:solidFill>
+        <a:latin typeface="+mn-lt"/>
+        <a:ea typeface="+mn-ea"/>
+        <a:cs typeface="+mn-cs"/>
+      </a:defRPr>
+    </a:lvl8pPr>
+    <a:lvl9pPr marL="3657600" algn="l" defTabSz="914400" rtl="0" eaLnBrk="1" latinLnBrk="0" hangingPunct="1">
+      <a:defRPr sz="1200" kern="1200">
+        <a:solidFill>
+          <a:schemeClr val="tx1"/>
+        </a:solidFill>
+        <a:latin typeface="+mn-lt"/>
+        <a:ea typeface="+mn-ea"/>
+        <a:cs typeface="+mn-cs"/>
+      </a:defRPr>
+    </a:lvl9pPr>
+  </p:notesStyle>
+</p:notesMaster>
+</file>
+
+<file path=ppt/notesSlides/notesSlide1.xml><?xml version="1.0" encoding="utf-8"?>
+<p:notes xmlns:a="http://schemas.openxmlformats.org/drawingml/2006/main" xmlns:r="http://schemas.openxmlformats.org/officeDocument/2006/relationships" xmlns:p="http://schemas.openxmlformats.org/presentationml/2006/main">
+  <p:cSld>
+    <p:spTree>
+      <p:nvGrpSpPr>
+        <p:cNvPr id="1" name=""/>
+        <p:cNvGrpSpPr/>
+        <p:nvPr/>
+      </p:nvGrpSpPr>
+      <p:grpSpPr>
+        <a:xfrm>
+          <a:off x="0" y="0"/>
+          <a:ext cx="0" cy="0"/>
+          <a:chOff x="0" y="0"/>
+          <a:chExt cx="0" cy="0"/>
+        </a:xfrm>
+      </p:grpSpPr>
+      <p:sp>
+        <p:nvSpPr>
+          <p:cNvPr id="2" name="Slide Image Placeholder 1"/>
+          <p:cNvSpPr>
+            <a:spLocks noGrp="1" noRot="1" noChangeAspect="1"/>
+          </p:cNvSpPr>
+          <p:nvPr>
+            <p:ph type="sldImg"/>
+          </p:nvPr>
+        </p:nvSpPr>
+        <p:spPr/>
+      </p:sp>
+      <p:sp>
+        <p:nvSpPr>
+          <p:cNvPr id="3" name="Notes Placeholder 2"/>
+          <p:cNvSpPr>
+            <a:spLocks noGrp="1"/>
+          </p:cNvSpPr>
+          <p:nvPr>
+            <p:ph type="body" idx="1"/>
+          </p:nvPr>
+        </p:nvSpPr>
+        <p:spPr/>
+        <p:txBody>
+          <a:bodyPr/>
+          <a:lstStyle/>
+          <a:p>
+            <a:endParaRPr lang="en-IN" dirty="0"/>
+          </a:p>
+        </p:txBody>
+      </p:sp>
+      <p:sp>
+        <p:nvSpPr>
+          <p:cNvPr id="4" name="Slide Number Placeholder 3"/>
+          <p:cNvSpPr>
+            <a:spLocks noGrp="1"/>
+          </p:cNvSpPr>
+          <p:nvPr>
+            <p:ph type="sldNum" sz="quarter" idx="5"/>
+          </p:nvPr>
+        </p:nvSpPr>
+        <p:spPr/>
+        <p:txBody>
+          <a:bodyPr/>
+          <a:lstStyle/>
+          <a:p>
+            <a:fld id="{7838D9FC-41CB-45EF-9578-12B2749250AF}" type="slidenum">
+              <a:rPr lang="en-IN" smtClean="0"/>
+              <a:t>3</a:t>
+            </a:fld>
+            <a:endParaRPr lang="en-IN"/>
+          </a:p>
+        </p:txBody>
+      </p:sp>
+    </p:spTree>
+    <p:extLst>
+      <p:ext uri="{BB962C8B-B14F-4D97-AF65-F5344CB8AC3E}">
+        <p14:creationId xmlns:p14="http://schemas.microsoft.com/office/powerpoint/2010/main" val="3527399414"/>
+      </p:ext>
+    </p:extLst>
+  </p:cSld>
+  <p:clrMapOvr>
+    <a:masterClrMapping/>
+  </p:clrMapOvr>
+</p:notes>
+</file>
+
 <file path=ppt/slideLayouts/slideLayout1.xml><?xml version="1.0" encoding="utf-8"?>
 <p:sldLayout xmlns:a="http://schemas.openxmlformats.org/drawingml/2006/main" xmlns:r="http://schemas.openxmlformats.org/officeDocument/2006/relationships" xmlns:p="http://schemas.openxmlformats.org/presentationml/2006/main" showMasterSp="0" type="title" preserve="1">
   <p:cSld name="Title Slide">
@@ -7695,7 +8137,7 @@
             </a:r>
             <a:r>
               <a:rPr lang="en-US" sz="3200" dirty="0"/>
-              <a:t> Keycoder2.0</a:t>
+              <a:t> KEYCODERS 2.0</a:t>
             </a:r>
             <a:br>
               <a:rPr lang="en-US" sz="3200" dirty="0"/>
@@ -7886,6 +8328,9 @@
           </a:bodyPr>
           <a:lstStyle/>
           <a:p>
+            <a:pPr marL="0" indent="0" algn="just">
+              <a:buNone/>
+            </a:pPr>
             <a:r>
               <a:rPr lang="en-IN" dirty="0"/>
               <a:t>The Directorate of Higher Education has 7 Government Colleges and 26 aided colleges under it. Altogether, more than 10000 students that pass out from them every year either choose to opt for further studies, work or have their own </a:t>
@@ -7900,48 +8345,72 @@
             </a:r>
           </a:p>
           <a:p>
+            <a:pPr marL="0" indent="0">
+              <a:buNone/>
+            </a:pPr>
             <a:r>
               <a:rPr lang="en-IN" dirty="0"/>
-              <a:t>(a)allow the Alumni members to register themselves</a:t>
-            </a:r>
-          </a:p>
-          <a:p>
+              <a:t>(a)Allow the Alumni members to register themselves</a:t>
+            </a:r>
+          </a:p>
+          <a:p>
+            <a:pPr marL="0" indent="0">
+              <a:buNone/>
+            </a:pPr>
             <a:r>
               <a:rPr lang="en-IN" dirty="0"/>
-              <a:t>(b)allow colleges to verify and authenticate their registered alumni </a:t>
-            </a:r>
-          </a:p>
-          <a:p>
+              <a:t>(b)Allow colleges to verify and authenticate their registered alumni </a:t>
+            </a:r>
+          </a:p>
+          <a:p>
+            <a:pPr marL="0" indent="0">
+              <a:buNone/>
+            </a:pPr>
             <a:r>
               <a:rPr lang="en-IN" dirty="0"/>
-              <a:t>(c)provision for alumni members to update their details </a:t>
-            </a:r>
-          </a:p>
-          <a:p>
+              <a:t>(c)Provision for alumni members to update their details </a:t>
+            </a:r>
+          </a:p>
+          <a:p>
+            <a:pPr marL="0" indent="0">
+              <a:buNone/>
+            </a:pPr>
             <a:r>
               <a:rPr lang="en-IN" dirty="0"/>
-              <a:t>(d)allow the colleges to search details based on criteria such as year, subject, etc. </a:t>
-            </a:r>
-          </a:p>
-          <a:p>
+              <a:t>(d)Allow the colleges to search details based on criteria such as year, subject, etc. </a:t>
+            </a:r>
+          </a:p>
+          <a:p>
+            <a:pPr marL="0" indent="0">
+              <a:buNone/>
+            </a:pPr>
             <a:r>
               <a:rPr lang="en-IN" dirty="0"/>
-              <a:t>(e) allow the Directorate to search details based on criteria such as colleges, year, subject, etc. </a:t>
-            </a:r>
-          </a:p>
-          <a:p>
+              <a:t>(e) Allow the Directorate to search details based on criteria such as colleges, year, subject,        etc. </a:t>
+            </a:r>
+          </a:p>
+          <a:p>
+            <a:pPr marL="0" indent="0">
+              <a:buNone/>
+            </a:pPr>
             <a:r>
               <a:rPr lang="en-IN" dirty="0"/>
-              <a:t>(f)send messages and emails to alumni members </a:t>
-            </a:r>
-          </a:p>
-          <a:p>
+              <a:t>(f)Send messages and emails to alumni members </a:t>
+            </a:r>
+          </a:p>
+          <a:p>
+            <a:pPr marL="0" indent="0">
+              <a:buNone/>
+            </a:pPr>
             <a:r>
               <a:rPr lang="en-IN" dirty="0"/>
-              <a:t>(g)group chats, create events, publish notices on the portal </a:t>
-            </a:r>
-          </a:p>
-          <a:p>
+              <a:t>(g)Group chats, create events, publish notices on the portal </a:t>
+            </a:r>
+          </a:p>
+          <a:p>
+            <a:pPr marL="0" indent="0">
+              <a:buNone/>
+            </a:pPr>
             <a:r>
               <a:rPr lang="en-IN" dirty="0"/>
               <a:t>(h)Security features with login for every user.</a:t>
@@ -8000,7 +8469,7 @@
         </p:nvSpPr>
         <p:spPr>
           <a:xfrm>
-            <a:off x="604630" y="163789"/>
+            <a:off x="604630" y="-250992"/>
             <a:ext cx="10058400" cy="1609344"/>
           </a:xfrm>
         </p:spPr>
@@ -8034,13 +8503,13 @@
         </p:nvSpPr>
         <p:spPr>
           <a:xfrm>
-            <a:off x="604630" y="1442301"/>
-            <a:ext cx="10523618" cy="4990581"/>
+            <a:off x="604630" y="980389"/>
+            <a:ext cx="10566132" cy="5877612"/>
           </a:xfrm>
         </p:spPr>
         <p:txBody>
           <a:bodyPr>
-            <a:normAutofit lnSpcReduction="10000"/>
+            <a:normAutofit fontScale="92500" lnSpcReduction="10000"/>
           </a:bodyPr>
           <a:lstStyle/>
           <a:p>
@@ -8062,77 +8531,187 @@
                   <a:prstClr val="black"/>
                 </a:solidFill>
               </a:rPr>
-              <a:t>A social network platform dedicated to alumni of the colleges under The Directorate of Higher Education, Government of Goa.</a:t>
-            </a:r>
-          </a:p>
-          <a:p>
-            <a:pPr marL="0" lvl="0" indent="0" defTabSz="457200">
-              <a:lnSpc>
-                <a:spcPct val="100000"/>
-              </a:lnSpc>
-              <a:spcBef>
-                <a:spcPts val="0"/>
-              </a:spcBef>
-              <a:buClrTx/>
-              <a:buSzTx/>
-              <a:buNone/>
-              <a:defRPr/>
-            </a:pPr>
+              <a:t>A </a:t>
+            </a:r>
+            <a:r>
+              <a:rPr lang="en-US" sz="1800" u="sng" dirty="0">
+                <a:solidFill>
+                  <a:prstClr val="black"/>
+                </a:solidFill>
+              </a:rPr>
+              <a:t>social network platform</a:t>
+            </a:r>
             <a:r>
               <a:rPr lang="en-US" sz="1800" dirty="0">
                 <a:solidFill>
                   <a:prstClr val="black"/>
                 </a:solidFill>
               </a:rPr>
-              <a:t>A web-based app which will use the extensible database to keep track of the alumni, their current positions and providing an interactive user-experience with all the required functionalities : </a:t>
-            </a:r>
-          </a:p>
-          <a:p>
+              <a:t> dedicated to alumni of the colleges under The Directorate of Higher Education, Government of Goa.</a:t>
+            </a:r>
+          </a:p>
+          <a:p>
+            <a:pPr>
+              <a:buFont typeface="Wingdings" panose="05000000000000000000" pitchFamily="2" charset="2"/>
+              <a:buChar char="ü"/>
+            </a:pPr>
             <a:r>
               <a:rPr lang="en-IN" sz="1800" dirty="0"/>
-              <a:t>(a)allow the Alumni members to register themselves</a:t>
-            </a:r>
-          </a:p>
-          <a:p>
+              <a:t>Our web-app will have </a:t>
+            </a:r>
+            <a:r>
+              <a:rPr lang="en-IN" sz="1800" u="sng" dirty="0"/>
+              <a:t>3-level hierarchy </a:t>
+            </a:r>
             <a:r>
               <a:rPr lang="en-IN" sz="1800" dirty="0"/>
-              <a:t>(b)allow colleges to verify and authenticate their registered alumni </a:t>
-            </a:r>
-          </a:p>
-          <a:p>
+              <a:t>i.e.  </a:t>
+            </a:r>
+            <a:r>
+              <a:rPr lang="en-IN" sz="1800" b="1" dirty="0"/>
+              <a:t>(</a:t>
+            </a:r>
+            <a:r>
+              <a:rPr lang="en-IN" sz="1800" b="1" dirty="0" err="1"/>
+              <a:t>i</a:t>
+            </a:r>
+            <a:r>
+              <a:rPr lang="en-IN" sz="1800" b="1" dirty="0"/>
+              <a:t>)Directorate, (ii)College admins and (iii)Alumni</a:t>
+            </a:r>
             <a:r>
               <a:rPr lang="en-IN" sz="1800" dirty="0"/>
-              <a:t>(c)provision for alumni members to update their details </a:t>
-            </a:r>
-          </a:p>
-          <a:p>
+              <a:t>.</a:t>
+            </a:r>
+          </a:p>
+          <a:p>
+            <a:pPr>
+              <a:buFont typeface="Wingdings" panose="05000000000000000000" pitchFamily="2" charset="2"/>
+              <a:buChar char="ü"/>
+            </a:pPr>
             <a:r>
               <a:rPr lang="en-IN" sz="1800" dirty="0"/>
-              <a:t>(d)allow the colleges to search details based on criteria such as year, subject, etc. </a:t>
-            </a:r>
-          </a:p>
-          <a:p>
+              <a:t> </a:t>
+            </a:r>
+            <a:r>
+              <a:rPr lang="en-IN" sz="1800" b="1" dirty="0"/>
+              <a:t>Directorate</a:t>
+            </a:r>
             <a:r>
               <a:rPr lang="en-IN" sz="1800" dirty="0"/>
-              <a:t>(e) allow the Directorate to search details based on criteria such as colleges, year, subject, etc. </a:t>
-            </a:r>
-          </a:p>
-          <a:p>
+              <a:t> will have authority to </a:t>
+            </a:r>
+            <a:r>
+              <a:rPr lang="en-IN" sz="1800" b="1" dirty="0"/>
+              <a:t>control admins</a:t>
+            </a:r>
             <a:r>
               <a:rPr lang="en-IN" sz="1800" dirty="0"/>
-              <a:t>(f)send messages and emails to alumni members </a:t>
-            </a:r>
-          </a:p>
-          <a:p>
+              <a:t> and </a:t>
+            </a:r>
+            <a:r>
+              <a:rPr lang="en-IN" sz="1800" u="sng" dirty="0"/>
+              <a:t>search details</a:t>
+            </a:r>
             <a:r>
               <a:rPr lang="en-IN" sz="1800" dirty="0"/>
-              <a:t>(g)group chats, create events, publish notices on the portal </a:t>
-            </a:r>
-          </a:p>
-          <a:p>
+              <a:t> based on different factors. </a:t>
+            </a:r>
+          </a:p>
+          <a:p>
+            <a:pPr>
+              <a:buFont typeface="Wingdings" panose="05000000000000000000" pitchFamily="2" charset="2"/>
+              <a:buChar char="ü"/>
+            </a:pPr>
             <a:r>
               <a:rPr lang="en-IN" sz="1800" dirty="0"/>
-              <a:t>(h)Security features with login for every user.</a:t>
+              <a:t>Each college </a:t>
+            </a:r>
+            <a:r>
+              <a:rPr lang="en-IN" sz="1800" b="1" dirty="0"/>
+              <a:t>Admin</a:t>
+            </a:r>
+            <a:r>
+              <a:rPr lang="en-IN" sz="1800" dirty="0"/>
+              <a:t> will have the responsibility of verifying all the newly registered alumni of their respective colleges. He can also </a:t>
+            </a:r>
+            <a:r>
+              <a:rPr lang="en-IN" sz="1800" u="sng" dirty="0"/>
+              <a:t>post events </a:t>
+            </a:r>
+            <a:r>
+              <a:rPr lang="en-IN" sz="1800" dirty="0"/>
+              <a:t>and </a:t>
+            </a:r>
+            <a:r>
+              <a:rPr lang="en-IN" sz="1800" u="sng" dirty="0"/>
+              <a:t>publish notices </a:t>
+            </a:r>
+            <a:r>
+              <a:rPr lang="en-IN" sz="1800" dirty="0"/>
+              <a:t>along with </a:t>
+            </a:r>
+            <a:r>
+              <a:rPr lang="en-IN" sz="1800" u="sng" dirty="0"/>
+              <a:t>sending mails </a:t>
+            </a:r>
+            <a:r>
+              <a:rPr lang="en-IN" sz="1800" dirty="0"/>
+              <a:t>and </a:t>
+            </a:r>
+            <a:r>
+              <a:rPr lang="en-IN" sz="1800" u="sng" dirty="0"/>
+              <a:t>messages</a:t>
+            </a:r>
+            <a:r>
+              <a:rPr lang="en-IN" sz="1800" dirty="0"/>
+              <a:t> to alumni in network.</a:t>
+            </a:r>
+          </a:p>
+          <a:p>
+            <a:pPr>
+              <a:buFont typeface="Wingdings" panose="05000000000000000000" pitchFamily="2" charset="2"/>
+              <a:buChar char="ü"/>
+            </a:pPr>
+            <a:r>
+              <a:rPr lang="en-IN" sz="1800" dirty="0"/>
+              <a:t>Each </a:t>
+            </a:r>
+            <a:r>
+              <a:rPr lang="en-IN" sz="1800" b="1" u="sng" dirty="0"/>
+              <a:t>alumni</a:t>
+            </a:r>
+            <a:r>
+              <a:rPr lang="en-IN" sz="1800" u="sng" dirty="0"/>
+              <a:t> will register </a:t>
+            </a:r>
+            <a:r>
+              <a:rPr lang="en-IN" sz="1800" dirty="0"/>
+              <a:t>themselves to portal. They can also </a:t>
+            </a:r>
+            <a:r>
+              <a:rPr lang="en-IN" sz="1800" u="sng" dirty="0"/>
+              <a:t>edit their profile</a:t>
+            </a:r>
+            <a:r>
+              <a:rPr lang="en-IN" sz="1800" dirty="0"/>
+              <a:t>, </a:t>
+            </a:r>
+            <a:r>
+              <a:rPr lang="en-IN" sz="1800" u="sng" dirty="0"/>
+              <a:t>see events and notices </a:t>
+            </a:r>
+            <a:r>
+              <a:rPr lang="en-IN" sz="1800" dirty="0"/>
+              <a:t>and </a:t>
+            </a:r>
+            <a:r>
+              <a:rPr lang="en-IN" sz="1800" u="sng" dirty="0"/>
+              <a:t>connect with people </a:t>
+            </a:r>
+            <a:r>
+              <a:rPr lang="en-IN" sz="1800" dirty="0"/>
+              <a:t>on their network through facilities provided such as group chats.</a:t>
             </a:r>
           </a:p>
           <a:p>
@@ -8173,8 +8752,121 @@
                   <a:prstClr val="black"/>
                 </a:solidFill>
               </a:rPr>
-              <a:t>All students i.e. passed out and currently studying and the colleges will be able to connect with each other and help each other in increasing the status of college.</a:t>
-            </a:r>
+              <a:t>A web-based app which will use the extensible database to keep track of the alumni, their current positions and providing an interactive user-experience with all the required functionalities : </a:t>
+            </a:r>
+          </a:p>
+          <a:p>
+            <a:r>
+              <a:rPr lang="en-IN" sz="1800" dirty="0"/>
+              <a:t>3-Tier Application =&gt; Directorate, College Admins, Alumni.</a:t>
+            </a:r>
+          </a:p>
+          <a:p>
+            <a:r>
+              <a:rPr lang="en-IN" sz="1800" dirty="0"/>
+              <a:t>1</a:t>
+            </a:r>
+            <a:r>
+              <a:rPr lang="en-IN" sz="1800" baseline="30000" dirty="0"/>
+              <a:t>st</a:t>
+            </a:r>
+            <a:r>
+              <a:rPr lang="en-IN" sz="1800" dirty="0"/>
+              <a:t> =&gt; Alumni registration.</a:t>
+            </a:r>
+          </a:p>
+          <a:p>
+            <a:r>
+              <a:rPr lang="en-IN" sz="1800" dirty="0"/>
+              <a:t>2</a:t>
+            </a:r>
+            <a:r>
+              <a:rPr lang="en-IN" sz="1800" baseline="30000" dirty="0"/>
+              <a:t>nd</a:t>
+            </a:r>
+            <a:r>
+              <a:rPr lang="en-IN" sz="1800" dirty="0"/>
+              <a:t> =&gt; Verification(of Alumni) Portal for each college admin.</a:t>
+            </a:r>
+          </a:p>
+          <a:p>
+            <a:r>
+              <a:rPr lang="en-IN" sz="1800" dirty="0"/>
+              <a:t>3</a:t>
+            </a:r>
+            <a:r>
+              <a:rPr lang="en-IN" sz="1800" baseline="30000" dirty="0"/>
+              <a:t>rd</a:t>
+            </a:r>
+            <a:r>
+              <a:rPr lang="en-IN" sz="1800" dirty="0"/>
+              <a:t> =&gt; Colleges and Directorate can search details based on criteria such as year, subject, etc.</a:t>
+            </a:r>
+          </a:p>
+          <a:p>
+            <a:r>
+              <a:rPr lang="en-IN" sz="1800" dirty="0"/>
+              <a:t>4</a:t>
+            </a:r>
+            <a:r>
+              <a:rPr lang="en-IN" sz="1800" baseline="30000" dirty="0"/>
+              <a:t>th</a:t>
+            </a:r>
+            <a:r>
+              <a:rPr lang="en-IN" sz="1800" dirty="0"/>
+              <a:t>  Build on MVC Architecture.</a:t>
+            </a:r>
+          </a:p>
+          <a:p>
+            <a:r>
+              <a:rPr lang="en-IN" sz="1800" dirty="0"/>
+              <a:t>5</a:t>
+            </a:r>
+            <a:r>
+              <a:rPr lang="en-IN" sz="1800" baseline="30000" dirty="0"/>
+              <a:t>th</a:t>
+            </a:r>
+            <a:r>
+              <a:rPr lang="en-IN" sz="1800" dirty="0"/>
+              <a:t>  </a:t>
+            </a:r>
+            <a:r>
+              <a:rPr lang="en-IN" sz="1800" b="1" dirty="0"/>
+              <a:t>Scalability </a:t>
+            </a:r>
+            <a:r>
+              <a:rPr lang="en-IN" sz="1800" dirty="0"/>
+              <a:t>of adding new colleges and admins by </a:t>
+            </a:r>
+            <a:r>
+              <a:rPr lang="en-IN" sz="1800" b="1" dirty="0"/>
+              <a:t>Directorate Admin.</a:t>
+            </a:r>
+          </a:p>
+          <a:p>
+            <a:pPr marL="0" indent="0">
+              <a:buNone/>
+            </a:pPr>
+            <a:endParaRPr lang="en-IN" sz="1800" dirty="0"/>
+          </a:p>
+          <a:p>
+            <a:pPr marL="0" lvl="0" indent="0" defTabSz="457200">
+              <a:lnSpc>
+                <a:spcPct val="100000"/>
+              </a:lnSpc>
+              <a:spcBef>
+                <a:spcPts val="0"/>
+              </a:spcBef>
+              <a:buClrTx/>
+              <a:buSzTx/>
+              <a:buNone/>
+              <a:defRPr/>
+            </a:pPr>
+            <a:endParaRPr lang="en-US" sz="1800" dirty="0">
+              <a:solidFill>
+                <a:prstClr val="black"/>
+              </a:solidFill>
+            </a:endParaRPr>
           </a:p>
         </p:txBody>
       </p:sp>
@@ -8258,7 +8950,7 @@
             <p:ph idx="1"/>
             <p:extLst>
               <p:ext uri="{D42A27DB-BD31-4B8C-83A1-F6EECF244321}">
-                <p14:modId xmlns:p14="http://schemas.microsoft.com/office/powerpoint/2010/main" val="3749824891"/>
+                <p14:modId xmlns:p14="http://schemas.microsoft.com/office/powerpoint/2010/main" val="1180427775"/>
               </p:ext>
             </p:extLst>
           </p:nvPr>
@@ -8801,4 +9493,299 @@
     </a:ext>
   </a:extLst>
 </a:theme>
+</file>
+
+<file path=ppt/theme/theme2.xml><?xml version="1.0" encoding="utf-8"?>
+<a:theme xmlns:a="http://schemas.openxmlformats.org/drawingml/2006/main" name="Office Theme">
+  <a:themeElements>
+    <a:clrScheme name="Office">
+      <a:dk1>
+        <a:sysClr val="windowText" lastClr="000000"/>
+      </a:dk1>
+      <a:lt1>
+        <a:sysClr val="window" lastClr="FFFFFF"/>
+      </a:lt1>
+      <a:dk2>
+        <a:srgbClr val="44546A"/>
+      </a:dk2>
+      <a:lt2>
+        <a:srgbClr val="E7E6E6"/>
+      </a:lt2>
+      <a:accent1>
+        <a:srgbClr val="4472C4"/>
+      </a:accent1>
+      <a:accent2>
+        <a:srgbClr val="ED7D31"/>
+      </a:accent2>
+      <a:accent3>
+        <a:srgbClr val="A5A5A5"/>
+      </a:accent3>
+      <a:accent4>
+        <a:srgbClr val="FFC000"/>
+      </a:accent4>
+      <a:accent5>
+        <a:srgbClr val="5B9BD5"/>
+      </a:accent5>
+      <a:accent6>
+        <a:srgbClr val="70AD47"/>
+      </a:accent6>
+      <a:hlink>
+        <a:srgbClr val="0563C1"/>
+      </a:hlink>
+      <a:folHlink>
+        <a:srgbClr val="954F72"/>
+      </a:folHlink>
+    </a:clrScheme>
+    <a:fontScheme name="Office">
+      <a:majorFont>
+        <a:latin typeface="Calibri Light" panose="020F0302020204030204"/>
+        <a:ea typeface=""/>
+        <a:cs typeface=""/>
+        <a:font script="Jpan" typeface="游ゴシック Light"/>
+        <a:font script="Hang" typeface="맑은 고딕"/>
+        <a:font script="Hans" typeface="等线 Light"/>
+        <a:font script="Hant" typeface="新細明體"/>
+        <a:font script="Arab" typeface="Times New Roman"/>
+        <a:font script="Hebr" typeface="Times New Roman"/>
+        <a:font script="Thai" typeface="Angsana New"/>
+        <a:font script="Ethi" typeface="Nyala"/>
+        <a:font script="Beng" typeface="Vrinda"/>
+        <a:font script="Gujr" typeface="Shruti"/>
+        <a:font script="Khmr" typeface="MoolBoran"/>
+        <a:font script="Knda" typeface="Tunga"/>
+        <a:font script="Guru" typeface="Raavi"/>
+        <a:font script="Cans" typeface="Euphemia"/>
+        <a:font script="Cher" typeface="Plantagenet Cherokee"/>
+        <a:font script="Yiii" typeface="Microsoft Yi Baiti"/>
+        <a:font script="Tibt" typeface="Microsoft Himalaya"/>
+        <a:font script="Thaa" typeface="MV Boli"/>
+        <a:font script="Deva" typeface="Mangal"/>
+        <a:font script="Telu" typeface="Gautami"/>
+        <a:font script="Taml" typeface="Latha"/>
+        <a:font script="Syrc" typeface="Estrangelo Edessa"/>
+        <a:font script="Orya" typeface="Kalinga"/>
+        <a:font script="Mlym" typeface="Kartika"/>
+        <a:font script="Laoo" typeface="DokChampa"/>
+        <a:font script="Sinh" typeface="Iskoola Pota"/>
+        <a:font script="Mong" typeface="Mongolian Baiti"/>
+        <a:font script="Viet" typeface="Times New Roman"/>
+        <a:font script="Uigh" typeface="Microsoft Uighur"/>
+        <a:font script="Geor" typeface="Sylfaen"/>
+        <a:font script="Armn" typeface="Arial"/>
+        <a:font script="Bugi" typeface="Leelawadee UI"/>
+        <a:font script="Bopo" typeface="Microsoft JhengHei"/>
+        <a:font script="Java" typeface="Javanese Text"/>
+        <a:font script="Lisu" typeface="Segoe UI"/>
+        <a:font script="Mymr" typeface="Myanmar Text"/>
+        <a:font script="Nkoo" typeface="Ebrima"/>
+        <a:font script="Olck" typeface="Nirmala UI"/>
+        <a:font script="Osma" typeface="Ebrima"/>
+        <a:font script="Phag" typeface="Phagspa"/>
+        <a:font script="Syrn" typeface="Estrangelo Edessa"/>
+        <a:font script="Syrj" typeface="Estrangelo Edessa"/>
+        <a:font script="Syre" typeface="Estrangelo Edessa"/>
+        <a:font script="Sora" typeface="Nirmala UI"/>
+        <a:font script="Tale" typeface="Microsoft Tai Le"/>
+        <a:font script="Talu" typeface="Microsoft New Tai Lue"/>
+        <a:font script="Tfng" typeface="Ebrima"/>
+      </a:majorFont>
+      <a:minorFont>
+        <a:latin typeface="Calibri" panose="020F0502020204030204"/>
+        <a:ea typeface=""/>
+        <a:cs typeface=""/>
+        <a:font script="Jpan" typeface="游ゴシック"/>
+        <a:font script="Hang" typeface="맑은 고딕"/>
+        <a:font script="Hans" typeface="等线"/>
+        <a:font script="Hant" typeface="新細明體"/>
+        <a:font script="Arab" typeface="Arial"/>
+        <a:font script="Hebr" typeface="Arial"/>
+        <a:font script="Thai" typeface="Cordia New"/>
+        <a:font script="Ethi" typeface="Nyala"/>
+        <a:font script="Beng" typeface="Vrinda"/>
+        <a:font script="Gujr" typeface="Shruti"/>
+        <a:font script="Khmr" typeface="DaunPenh"/>
+        <a:font script="Knda" typeface="Tunga"/>
+        <a:font script="Guru" typeface="Raavi"/>
+        <a:font script="Cans" typeface="Euphemia"/>
+        <a:font script="Cher" typeface="Plantagenet Cherokee"/>
+        <a:font script="Yiii" typeface="Microsoft Yi Baiti"/>
+        <a:font script="Tibt" typeface="Microsoft Himalaya"/>
+        <a:font script="Thaa" typeface="MV Boli"/>
+        <a:font script="Deva" typeface="Mangal"/>
+        <a:font script="Telu" typeface="Gautami"/>
+        <a:font script="Taml" typeface="Latha"/>
+        <a:font script="Syrc" typeface="Estrangelo Edessa"/>
+        <a:font script="Orya" typeface="Kalinga"/>
+        <a:font script="Mlym" typeface="Kartika"/>
+        <a:font script="Laoo" typeface="DokChampa"/>
+        <a:font script="Sinh" typeface="Iskoola Pota"/>
+        <a:font script="Mong" typeface="Mongolian Baiti"/>
+        <a:font script="Viet" typeface="Arial"/>
+        <a:font script="Uigh" typeface="Microsoft Uighur"/>
+        <a:font script="Geor" typeface="Sylfaen"/>
+        <a:font script="Armn" typeface="Arial"/>
+        <a:font script="Bugi" typeface="Leelawadee UI"/>
+        <a:font script="Bopo" typeface="Microsoft JhengHei"/>
+        <a:font script="Java" typeface="Javanese Text"/>
+        <a:font script="Lisu" typeface="Segoe UI"/>
+        <a:font script="Mymr" typeface="Myanmar Text"/>
+        <a:font script="Nkoo" typeface="Ebrima"/>
+        <a:font script="Olck" typeface="Nirmala UI"/>
+        <a:font script="Osma" typeface="Ebrima"/>
+        <a:font script="Phag" typeface="Phagspa"/>
+        <a:font script="Syrn" typeface="Estrangelo Edessa"/>
+        <a:font script="Syrj" typeface="Estrangelo Edessa"/>
+        <a:font script="Syre" typeface="Estrangelo Edessa"/>
+        <a:font script="Sora" typeface="Nirmala UI"/>
+        <a:font script="Tale" typeface="Microsoft Tai Le"/>
+        <a:font script="Talu" typeface="Microsoft New Tai Lue"/>
+        <a:font script="Tfng" typeface="Ebrima"/>
+      </a:minorFont>
+    </a:fontScheme>
+    <a:fmtScheme name="Office">
+      <a:fillStyleLst>
+        <a:solidFill>
+          <a:schemeClr val="phClr"/>
+        </a:solidFill>
+        <a:gradFill rotWithShape="1">
+          <a:gsLst>
+            <a:gs pos="0">
+              <a:schemeClr val="phClr">
+                <a:lumMod val="110000"/>
+                <a:satMod val="105000"/>
+                <a:tint val="67000"/>
+              </a:schemeClr>
+            </a:gs>
+            <a:gs pos="50000">
+              <a:schemeClr val="phClr">
+                <a:lumMod val="105000"/>
+                <a:satMod val="103000"/>
+                <a:tint val="73000"/>
+              </a:schemeClr>
+            </a:gs>
+            <a:gs pos="100000">
+              <a:schemeClr val="phClr">
+                <a:lumMod val="105000"/>
+                <a:satMod val="109000"/>
+                <a:tint val="81000"/>
+              </a:schemeClr>
+            </a:gs>
+          </a:gsLst>
+          <a:lin ang="5400000" scaled="0"/>
+        </a:gradFill>
+        <a:gradFill rotWithShape="1">
+          <a:gsLst>
+            <a:gs pos="0">
+              <a:schemeClr val="phClr">
+                <a:satMod val="103000"/>
+                <a:lumMod val="102000"/>
+                <a:tint val="94000"/>
+              </a:schemeClr>
+            </a:gs>
+            <a:gs pos="50000">
+              <a:schemeClr val="phClr">
+                <a:satMod val="110000"/>
+                <a:lumMod val="100000"/>
+                <a:shade val="100000"/>
+              </a:schemeClr>
+            </a:gs>
+            <a:gs pos="100000">
+              <a:schemeClr val="phClr">
+                <a:lumMod val="99000"/>
+                <a:satMod val="120000"/>
+                <a:shade val="78000"/>
+              </a:schemeClr>
+            </a:gs>
+          </a:gsLst>
+          <a:lin ang="5400000" scaled="0"/>
+        </a:gradFill>
+      </a:fillStyleLst>
+      <a:lnStyleLst>
+        <a:ln w="6350" cap="flat" cmpd="sng" algn="ctr">
+          <a:solidFill>
+            <a:schemeClr val="phClr"/>
+          </a:solidFill>
+          <a:prstDash val="solid"/>
+          <a:miter lim="800000"/>
+        </a:ln>
+        <a:ln w="12700" cap="flat" cmpd="sng" algn="ctr">
+          <a:solidFill>
+            <a:schemeClr val="phClr"/>
+          </a:solidFill>
+          <a:prstDash val="solid"/>
+          <a:miter lim="800000"/>
+        </a:ln>
+        <a:ln w="19050" cap="flat" cmpd="sng" algn="ctr">
+          <a:solidFill>
+            <a:schemeClr val="phClr"/>
+          </a:solidFill>
+          <a:prstDash val="solid"/>
+          <a:miter lim="800000"/>
+        </a:ln>
+      </a:lnStyleLst>
+      <a:effectStyleLst>
+        <a:effectStyle>
+          <a:effectLst/>
+        </a:effectStyle>
+        <a:effectStyle>
+          <a:effectLst/>
+        </a:effectStyle>
+        <a:effectStyle>
+          <a:effectLst>
+            <a:outerShdw blurRad="57150" dist="19050" dir="5400000" algn="ctr" rotWithShape="0">
+              <a:srgbClr val="000000">
+                <a:alpha val="63000"/>
+              </a:srgbClr>
+            </a:outerShdw>
+          </a:effectLst>
+        </a:effectStyle>
+      </a:effectStyleLst>
+      <a:bgFillStyleLst>
+        <a:solidFill>
+          <a:schemeClr val="phClr"/>
+        </a:solidFill>
+        <a:solidFill>
+          <a:schemeClr val="phClr">
+            <a:tint val="95000"/>
+            <a:satMod val="170000"/>
+          </a:schemeClr>
+        </a:solidFill>
+        <a:gradFill rotWithShape="1">
+          <a:gsLst>
+            <a:gs pos="0">
+              <a:schemeClr val="phClr">
+                <a:tint val="93000"/>
+                <a:satMod val="150000"/>
+                <a:shade val="98000"/>
+                <a:lumMod val="102000"/>
+              </a:schemeClr>
+            </a:gs>
+            <a:gs pos="50000">
+              <a:schemeClr val="phClr">
+                <a:tint val="98000"/>
+                <a:satMod val="130000"/>
+                <a:shade val="90000"/>
+                <a:lumMod val="103000"/>
+              </a:schemeClr>
+            </a:gs>
+            <a:gs pos="100000">
+              <a:schemeClr val="phClr">
+                <a:shade val="63000"/>
+                <a:satMod val="120000"/>
+              </a:schemeClr>
+            </a:gs>
+          </a:gsLst>
+          <a:lin ang="5400000" scaled="0"/>
+        </a:gradFill>
+      </a:bgFillStyleLst>
+    </a:fmtScheme>
+  </a:themeElements>
+  <a:objectDefaults/>
+  <a:extraClrSchemeLst/>
+  <a:extLst>
+    <a:ext uri="{05A4C25C-085E-4340-85A3-A5531E510DB2}">
+      <thm15:themeFamily xmlns:thm15="http://schemas.microsoft.com/office/thememl/2012/main" name="Office Theme" id="{62F939B6-93AF-4DB8-9C6B-D6C7DFDC589F}" vid="{4A3C46E8-61CC-4603-A589-7422A47A8E4A}"/>
+    </a:ext>
+  </a:extLst>
+</a:theme>
 </file>
--- a/DR111-Keycoder2.0.pptx
+++ b/DR111-Keycoder2.0.pptx
@@ -1362,6 +1362,13 @@
         </dgm:presLayoutVars>
       </dgm:prSet>
       <dgm:spPr/>
+      <dgm:t>
+        <a:bodyPr/>
+        <a:lstStyle/>
+        <a:p>
+          <a:endParaRPr lang="en-IN"/>
+        </a:p>
+      </dgm:t>
     </dgm:pt>
     <dgm:pt modelId="{03F619E9-2450-49D9-9D65-060702D7B777}" type="pres">
       <dgm:prSet presAssocID="{88B190ED-7A56-450C-BE07-DFBA98FC34DB}" presName="composite" presStyleCnt="0"/>
@@ -1376,6 +1383,13 @@
         </dgm:presLayoutVars>
       </dgm:prSet>
       <dgm:spPr/>
+      <dgm:t>
+        <a:bodyPr/>
+        <a:lstStyle/>
+        <a:p>
+          <a:endParaRPr lang="en-IN"/>
+        </a:p>
+      </dgm:t>
     </dgm:pt>
     <dgm:pt modelId="{B76C3CB4-4019-489E-853B-9BE7B95ADDCA}" type="pres">
       <dgm:prSet presAssocID="{88B190ED-7A56-450C-BE07-DFBA98FC34DB}" presName="Parent" presStyleLbl="alignNode1" presStyleIdx="0" presStyleCnt="3">
@@ -1386,6 +1400,13 @@
         </dgm:presLayoutVars>
       </dgm:prSet>
       <dgm:spPr/>
+      <dgm:t>
+        <a:bodyPr/>
+        <a:lstStyle/>
+        <a:p>
+          <a:endParaRPr lang="en-IN"/>
+        </a:p>
+      </dgm:t>
     </dgm:pt>
     <dgm:pt modelId="{E2DA0161-6567-4B60-9A01-F8AC43BFD32F}" type="pres">
       <dgm:prSet presAssocID="{88B190ED-7A56-450C-BE07-DFBA98FC34DB}" presName="Accent" presStyleLbl="parChTrans1D1" presStyleIdx="0" presStyleCnt="3"/>
@@ -1400,6 +1421,13 @@
         </dgm:presLayoutVars>
       </dgm:prSet>
       <dgm:spPr/>
+      <dgm:t>
+        <a:bodyPr/>
+        <a:lstStyle/>
+        <a:p>
+          <a:endParaRPr lang="en-IN"/>
+        </a:p>
+      </dgm:t>
     </dgm:pt>
     <dgm:pt modelId="{4EF8556B-7940-45FC-A8D7-0DF1867DCE3E}" type="pres">
       <dgm:prSet presAssocID="{2FD02232-92E0-4CE0-8F61-4BDC599D567D}" presName="sibTrans" presStyleCnt="0"/>
@@ -1418,6 +1446,13 @@
         </dgm:presLayoutVars>
       </dgm:prSet>
       <dgm:spPr/>
+      <dgm:t>
+        <a:bodyPr/>
+        <a:lstStyle/>
+        <a:p>
+          <a:endParaRPr lang="en-IN"/>
+        </a:p>
+      </dgm:t>
     </dgm:pt>
     <dgm:pt modelId="{0B0EAB82-7FD6-4564-B4B9-04D50621E35B}" type="pres">
       <dgm:prSet presAssocID="{CF57DB8E-864A-4781-8B99-DBA3CACF16FF}" presName="Parent" presStyleLbl="alignNode1" presStyleIdx="1" presStyleCnt="3">
@@ -1428,6 +1463,13 @@
         </dgm:presLayoutVars>
       </dgm:prSet>
       <dgm:spPr/>
+      <dgm:t>
+        <a:bodyPr/>
+        <a:lstStyle/>
+        <a:p>
+          <a:endParaRPr lang="en-IN"/>
+        </a:p>
+      </dgm:t>
     </dgm:pt>
     <dgm:pt modelId="{63C2221D-F2A6-445A-BA41-9D807CF07B23}" type="pres">
       <dgm:prSet presAssocID="{CF57DB8E-864A-4781-8B99-DBA3CACF16FF}" presName="Accent" presStyleLbl="parChTrans1D1" presStyleIdx="1" presStyleCnt="3"/>
@@ -1442,6 +1484,13 @@
         </dgm:presLayoutVars>
       </dgm:prSet>
       <dgm:spPr/>
+      <dgm:t>
+        <a:bodyPr/>
+        <a:lstStyle/>
+        <a:p>
+          <a:endParaRPr lang="en-IN"/>
+        </a:p>
+      </dgm:t>
     </dgm:pt>
     <dgm:pt modelId="{22B9AA42-6FDE-4E0F-86E5-79B179ADD617}" type="pres">
       <dgm:prSet presAssocID="{5F5A93F7-0923-433D-93A2-4B7D1D8D92C9}" presName="sibTrans" presStyleCnt="0"/>
@@ -1460,6 +1509,13 @@
         </dgm:presLayoutVars>
       </dgm:prSet>
       <dgm:spPr/>
+      <dgm:t>
+        <a:bodyPr/>
+        <a:lstStyle/>
+        <a:p>
+          <a:endParaRPr lang="en-IN"/>
+        </a:p>
+      </dgm:t>
     </dgm:pt>
     <dgm:pt modelId="{8A75015E-5532-411E-88D1-0289105C3681}" type="pres">
       <dgm:prSet presAssocID="{FD0039AF-CBCF-4CD2-8C47-3C7A77276521}" presName="Parent" presStyleLbl="alignNode1" presStyleIdx="2" presStyleCnt="3">
@@ -1470,6 +1526,13 @@
         </dgm:presLayoutVars>
       </dgm:prSet>
       <dgm:spPr/>
+      <dgm:t>
+        <a:bodyPr/>
+        <a:lstStyle/>
+        <a:p>
+          <a:endParaRPr lang="en-IN"/>
+        </a:p>
+      </dgm:t>
     </dgm:pt>
     <dgm:pt modelId="{81731AF2-E07F-4752-A95F-C8B72B4AE941}" type="pres">
       <dgm:prSet presAssocID="{FD0039AF-CBCF-4CD2-8C47-3C7A77276521}" presName="Accent" presStyleLbl="parChTrans1D1" presStyleIdx="2" presStyleCnt="3"/>
@@ -1484,36 +1547,43 @@
         </dgm:presLayoutVars>
       </dgm:prSet>
       <dgm:spPr/>
+      <dgm:t>
+        <a:bodyPr/>
+        <a:lstStyle/>
+        <a:p>
+          <a:endParaRPr lang="en-IN"/>
+        </a:p>
+      </dgm:t>
     </dgm:pt>
   </dgm:ptLst>
   <dgm:cxnLst>
+    <dgm:cxn modelId="{142BB65E-AE08-478B-A20E-CFD37B003699}" type="presOf" srcId="{CF57DB8E-864A-4781-8B99-DBA3CACF16FF}" destId="{0B0EAB82-7FD6-4564-B4B9-04D50621E35B}" srcOrd="0" destOrd="0" presId="urn:microsoft.com/office/officeart/2011/layout/TabList"/>
+    <dgm:cxn modelId="{B4E54FFC-237E-4561-A1EC-324E8EFDA572}" srcId="{88B190ED-7A56-450C-BE07-DFBA98FC34DB}" destId="{6D4B1DCE-8F45-4637-82BF-9C74F0E070C8}" srcOrd="1" destOrd="0" parTransId="{656F98F4-1424-428C-A319-9C00BCDCE59D}" sibTransId="{43BF85ED-E805-4698-89AA-51724A0ACE92}"/>
+    <dgm:cxn modelId="{55F26503-41CA-484D-8800-E8CCF826F5A5}" type="presOf" srcId="{6D4B1DCE-8F45-4637-82BF-9C74F0E070C8}" destId="{B98C1529-40E2-4DBF-AB3B-82AC539C1B20}" srcOrd="0" destOrd="0" presId="urn:microsoft.com/office/officeart/2011/layout/TabList"/>
+    <dgm:cxn modelId="{57DEB17D-E476-45B6-9AF5-61531B76010B}" srcId="{88B190ED-7A56-450C-BE07-DFBA98FC34DB}" destId="{98220303-473F-4715-82E6-09ADE9D407A1}" srcOrd="3" destOrd="0" parTransId="{3E9BE5F2-C666-486C-833B-35BDDB9534A8}" sibTransId="{078A0804-E988-41D7-AE88-1758F7728F89}"/>
+    <dgm:cxn modelId="{A1FA1F0E-6C9D-4E5F-832A-4B89E5D5587A}" srcId="{FD0039AF-CBCF-4CD2-8C47-3C7A77276521}" destId="{CAA2C270-69AB-4958-B200-399365C35491}" srcOrd="0" destOrd="0" parTransId="{C5F06C5E-961C-41C1-B5FD-0ED7E78FEB01}" sibTransId="{5AAEC9C1-E290-480F-84B1-731A19B34AD6}"/>
+    <dgm:cxn modelId="{D15CAB15-0152-45CD-A093-4EFF3ED7468F}" srcId="{F82DAB59-0A6E-4D36-B65D-2DCA41685E6C}" destId="{CF57DB8E-864A-4781-8B99-DBA3CACF16FF}" srcOrd="1" destOrd="0" parTransId="{01FFDA0F-2808-4194-B329-B0586D034F3D}" sibTransId="{5F5A93F7-0923-433D-93A2-4B7D1D8D92C9}"/>
+    <dgm:cxn modelId="{1C12D195-1F19-4151-B86E-4B9DAA10B7CA}" srcId="{CF57DB8E-864A-4781-8B99-DBA3CACF16FF}" destId="{8B804296-FBB8-4E18-B887-D68818B72F79}" srcOrd="0" destOrd="0" parTransId="{D3F192F1-213E-4052-B2C8-FA001A558A14}" sibTransId="{0556B2D9-F62F-44E8-A6DC-0485A6C85B05}"/>
+    <dgm:cxn modelId="{624087D4-A898-445B-9F45-2614785A8B5A}" srcId="{CF57DB8E-864A-4781-8B99-DBA3CACF16FF}" destId="{E25BFCCD-225C-446D-8FD4-CAAE4A4F77B4}" srcOrd="1" destOrd="0" parTransId="{B0D74667-35AD-43CD-8166-4F266C3C2F8F}" sibTransId="{EE53DBA0-5327-4734-A408-FCB8C873C89B}"/>
     <dgm:cxn modelId="{7947FC01-E56A-49F3-B586-01496A5CE5C3}" srcId="{88B190ED-7A56-450C-BE07-DFBA98FC34DB}" destId="{6FF790F0-79E3-4CB5-90DB-2EACBB28B3AF}" srcOrd="2" destOrd="0" parTransId="{A1B6C737-3918-4F23-AD12-5BC113F3C907}" sibTransId="{E94968A8-4A22-4A3A-B685-2D94BA98BD0C}"/>
-    <dgm:cxn modelId="{55F26503-41CA-484D-8800-E8CCF826F5A5}" type="presOf" srcId="{6D4B1DCE-8F45-4637-82BF-9C74F0E070C8}" destId="{B98C1529-40E2-4DBF-AB3B-82AC539C1B20}" srcOrd="0" destOrd="0" presId="urn:microsoft.com/office/officeart/2011/layout/TabList"/>
-    <dgm:cxn modelId="{A1FA1F0E-6C9D-4E5F-832A-4B89E5D5587A}" srcId="{FD0039AF-CBCF-4CD2-8C47-3C7A77276521}" destId="{CAA2C270-69AB-4958-B200-399365C35491}" srcOrd="0" destOrd="0" parTransId="{C5F06C5E-961C-41C1-B5FD-0ED7E78FEB01}" sibTransId="{5AAEC9C1-E290-480F-84B1-731A19B34AD6}"/>
+    <dgm:cxn modelId="{56A76470-F4BB-45B7-8038-1308EC81A1D8}" srcId="{CF57DB8E-864A-4781-8B99-DBA3CACF16FF}" destId="{CB21324E-C99B-4B31-A4F7-70B4EDF291F5}" srcOrd="2" destOrd="0" parTransId="{39FED9BD-7D29-436B-8CAE-BE9FED245DFE}" sibTransId="{674AF4BF-ECB1-4FF2-B259-1B83196643CC}"/>
+    <dgm:cxn modelId="{6455359D-C1BA-4887-981E-45DF13F7E3CE}" type="presOf" srcId="{D9D5C681-6CFF-4E27-A97D-5C13D8A2EB3E}" destId="{58AFBADE-EA5A-49C3-AB4E-2B83DE113BB1}" srcOrd="0" destOrd="0" presId="urn:microsoft.com/office/officeart/2011/layout/TabList"/>
+    <dgm:cxn modelId="{3D8456F0-3751-47F0-A5E4-062A509C2538}" type="presOf" srcId="{E25BFCCD-225C-446D-8FD4-CAAE4A4F77B4}" destId="{A8F174F7-21B3-4A16-B4F3-227E60B00204}" srcOrd="0" destOrd="0" presId="urn:microsoft.com/office/officeart/2011/layout/TabList"/>
+    <dgm:cxn modelId="{6B82AF6B-B22B-407B-B1DA-B50DE9BCB236}" type="presOf" srcId="{88B190ED-7A56-450C-BE07-DFBA98FC34DB}" destId="{B76C3CB4-4019-489E-853B-9BE7B95ADDCA}" srcOrd="0" destOrd="0" presId="urn:microsoft.com/office/officeart/2011/layout/TabList"/>
+    <dgm:cxn modelId="{8ECE6598-C325-4605-8360-CCB982A32427}" type="presOf" srcId="{6FF790F0-79E3-4CB5-90DB-2EACBB28B3AF}" destId="{B98C1529-40E2-4DBF-AB3B-82AC539C1B20}" srcOrd="0" destOrd="1" presId="urn:microsoft.com/office/officeart/2011/layout/TabList"/>
+    <dgm:cxn modelId="{489A8E8D-CE1E-4EBD-A95C-7A7A2889F037}" type="presOf" srcId="{FD0039AF-CBCF-4CD2-8C47-3C7A77276521}" destId="{8A75015E-5532-411E-88D1-0289105C3681}" srcOrd="0" destOrd="0" presId="urn:microsoft.com/office/officeart/2011/layout/TabList"/>
+    <dgm:cxn modelId="{32640983-517A-429A-AA18-70A911F8CD27}" srcId="{F82DAB59-0A6E-4D36-B65D-2DCA41685E6C}" destId="{FD0039AF-CBCF-4CD2-8C47-3C7A77276521}" srcOrd="2" destOrd="0" parTransId="{351AD8AE-FA33-410A-9650-9AD6B7254DCC}" sibTransId="{6B7F7BBC-C24A-4F8F-94BF-3B9B333F3B81}"/>
+    <dgm:cxn modelId="{FF3F657E-0EEE-4A3A-85B5-24AE55AA5C9E}" type="presOf" srcId="{758CB0BC-D7A9-4CCD-AD2D-D60B07566CD7}" destId="{A8F174F7-21B3-4A16-B4F3-227E60B00204}" srcOrd="0" destOrd="2" presId="urn:microsoft.com/office/officeart/2011/layout/TabList"/>
+    <dgm:cxn modelId="{171AE634-E1C7-4FC2-8FFD-E08DFDE50EF7}" type="presOf" srcId="{98220303-473F-4715-82E6-09ADE9D407A1}" destId="{B98C1529-40E2-4DBF-AB3B-82AC539C1B20}" srcOrd="0" destOrd="2" presId="urn:microsoft.com/office/officeart/2011/layout/TabList"/>
+    <dgm:cxn modelId="{514E41C6-D80C-4020-9DB2-8D7D095377AB}" type="presOf" srcId="{F82DAB59-0A6E-4D36-B65D-2DCA41685E6C}" destId="{B7FDB7F4-2F3E-4CFA-A6C5-2076E1019E40}" srcOrd="0" destOrd="0" presId="urn:microsoft.com/office/officeart/2011/layout/TabList"/>
+    <dgm:cxn modelId="{92AB3110-A7A6-441B-8D3D-9AC9DF24921C}" type="presOf" srcId="{CB21324E-C99B-4B31-A4F7-70B4EDF291F5}" destId="{A8F174F7-21B3-4A16-B4F3-227E60B00204}" srcOrd="0" destOrd="1" presId="urn:microsoft.com/office/officeart/2011/layout/TabList"/>
+    <dgm:cxn modelId="{62875616-83CE-4B7D-B03C-4AA088A3E1FD}" srcId="{F82DAB59-0A6E-4D36-B65D-2DCA41685E6C}" destId="{88B190ED-7A56-450C-BE07-DFBA98FC34DB}" srcOrd="0" destOrd="0" parTransId="{93FFF6CB-09D4-4BE3-87EB-833C4C27A95F}" sibTransId="{2FD02232-92E0-4CE0-8F61-4BDC599D567D}"/>
+    <dgm:cxn modelId="{0AD15C9A-08D8-4914-8F78-DFC17BA8A1D5}" type="presOf" srcId="{CAA2C270-69AB-4958-B200-399365C35491}" destId="{AE16EC6C-82C7-424E-8972-20C88F4F988B}" srcOrd="0" destOrd="0" presId="urn:microsoft.com/office/officeart/2011/layout/TabList"/>
+    <dgm:cxn modelId="{7DFCB6B5-D0AF-4ACF-B9CF-C430AC6E3D72}" type="presOf" srcId="{8B804296-FBB8-4E18-B887-D68818B72F79}" destId="{2D729A6B-82CE-4CE4-8326-7749C44B6F5E}" srcOrd="0" destOrd="0" presId="urn:microsoft.com/office/officeart/2011/layout/TabList"/>
+    <dgm:cxn modelId="{F9B669E0-8753-4D85-8581-99747AC6335B}" srcId="{88B190ED-7A56-450C-BE07-DFBA98FC34DB}" destId="{D9D5C681-6CFF-4E27-A97D-5C13D8A2EB3E}" srcOrd="0" destOrd="0" parTransId="{44FD42D4-5045-46B0-99E5-21E0193A599F}" sibTransId="{4DEE735A-7FAE-4E76-9809-A0F77F7DDA43}"/>
     <dgm:cxn modelId="{6315AA0E-3635-4109-AB9B-AD5FDF68EFFA}" srcId="{CF57DB8E-864A-4781-8B99-DBA3CACF16FF}" destId="{758CB0BC-D7A9-4CCD-AD2D-D60B07566CD7}" srcOrd="3" destOrd="0" parTransId="{F258284D-0A99-47DB-88C5-099C0211CA01}" sibTransId="{9909A304-6378-454D-8B93-A2107C25E489}"/>
-    <dgm:cxn modelId="{92AB3110-A7A6-441B-8D3D-9AC9DF24921C}" type="presOf" srcId="{CB21324E-C99B-4B31-A4F7-70B4EDF291F5}" destId="{A8F174F7-21B3-4A16-B4F3-227E60B00204}" srcOrd="0" destOrd="1" presId="urn:microsoft.com/office/officeart/2011/layout/TabList"/>
-    <dgm:cxn modelId="{D15CAB15-0152-45CD-A093-4EFF3ED7468F}" srcId="{F82DAB59-0A6E-4D36-B65D-2DCA41685E6C}" destId="{CF57DB8E-864A-4781-8B99-DBA3CACF16FF}" srcOrd="1" destOrd="0" parTransId="{01FFDA0F-2808-4194-B329-B0586D034F3D}" sibTransId="{5F5A93F7-0923-433D-93A2-4B7D1D8D92C9}"/>
-    <dgm:cxn modelId="{62875616-83CE-4B7D-B03C-4AA088A3E1FD}" srcId="{F82DAB59-0A6E-4D36-B65D-2DCA41685E6C}" destId="{88B190ED-7A56-450C-BE07-DFBA98FC34DB}" srcOrd="0" destOrd="0" parTransId="{93FFF6CB-09D4-4BE3-87EB-833C4C27A95F}" sibTransId="{2FD02232-92E0-4CE0-8F61-4BDC599D567D}"/>
-    <dgm:cxn modelId="{171AE634-E1C7-4FC2-8FFD-E08DFDE50EF7}" type="presOf" srcId="{98220303-473F-4715-82E6-09ADE9D407A1}" destId="{B98C1529-40E2-4DBF-AB3B-82AC539C1B20}" srcOrd="0" destOrd="2" presId="urn:microsoft.com/office/officeart/2011/layout/TabList"/>
-    <dgm:cxn modelId="{142BB65E-AE08-478B-A20E-CFD37B003699}" type="presOf" srcId="{CF57DB8E-864A-4781-8B99-DBA3CACF16FF}" destId="{0B0EAB82-7FD6-4564-B4B9-04D50621E35B}" srcOrd="0" destOrd="0" presId="urn:microsoft.com/office/officeart/2011/layout/TabList"/>
-    <dgm:cxn modelId="{6B82AF6B-B22B-407B-B1DA-B50DE9BCB236}" type="presOf" srcId="{88B190ED-7A56-450C-BE07-DFBA98FC34DB}" destId="{B76C3CB4-4019-489E-853B-9BE7B95ADDCA}" srcOrd="0" destOrd="0" presId="urn:microsoft.com/office/officeart/2011/layout/TabList"/>
-    <dgm:cxn modelId="{56A76470-F4BB-45B7-8038-1308EC81A1D8}" srcId="{CF57DB8E-864A-4781-8B99-DBA3CACF16FF}" destId="{CB21324E-C99B-4B31-A4F7-70B4EDF291F5}" srcOrd="2" destOrd="0" parTransId="{39FED9BD-7D29-436B-8CAE-BE9FED245DFE}" sibTransId="{674AF4BF-ECB1-4FF2-B259-1B83196643CC}"/>
-    <dgm:cxn modelId="{57DEB17D-E476-45B6-9AF5-61531B76010B}" srcId="{88B190ED-7A56-450C-BE07-DFBA98FC34DB}" destId="{98220303-473F-4715-82E6-09ADE9D407A1}" srcOrd="3" destOrd="0" parTransId="{3E9BE5F2-C666-486C-833B-35BDDB9534A8}" sibTransId="{078A0804-E988-41D7-AE88-1758F7728F89}"/>
-    <dgm:cxn modelId="{FF3F657E-0EEE-4A3A-85B5-24AE55AA5C9E}" type="presOf" srcId="{758CB0BC-D7A9-4CCD-AD2D-D60B07566CD7}" destId="{A8F174F7-21B3-4A16-B4F3-227E60B00204}" srcOrd="0" destOrd="2" presId="urn:microsoft.com/office/officeart/2011/layout/TabList"/>
-    <dgm:cxn modelId="{32640983-517A-429A-AA18-70A911F8CD27}" srcId="{F82DAB59-0A6E-4D36-B65D-2DCA41685E6C}" destId="{FD0039AF-CBCF-4CD2-8C47-3C7A77276521}" srcOrd="2" destOrd="0" parTransId="{351AD8AE-FA33-410A-9650-9AD6B7254DCC}" sibTransId="{6B7F7BBC-C24A-4F8F-94BF-3B9B333F3B81}"/>
-    <dgm:cxn modelId="{489A8E8D-CE1E-4EBD-A95C-7A7A2889F037}" type="presOf" srcId="{FD0039AF-CBCF-4CD2-8C47-3C7A77276521}" destId="{8A75015E-5532-411E-88D1-0289105C3681}" srcOrd="0" destOrd="0" presId="urn:microsoft.com/office/officeart/2011/layout/TabList"/>
-    <dgm:cxn modelId="{1C12D195-1F19-4151-B86E-4B9DAA10B7CA}" srcId="{CF57DB8E-864A-4781-8B99-DBA3CACF16FF}" destId="{8B804296-FBB8-4E18-B887-D68818B72F79}" srcOrd="0" destOrd="0" parTransId="{D3F192F1-213E-4052-B2C8-FA001A558A14}" sibTransId="{0556B2D9-F62F-44E8-A6DC-0485A6C85B05}"/>
-    <dgm:cxn modelId="{8ECE6598-C325-4605-8360-CCB982A32427}" type="presOf" srcId="{6FF790F0-79E3-4CB5-90DB-2EACBB28B3AF}" destId="{B98C1529-40E2-4DBF-AB3B-82AC539C1B20}" srcOrd="0" destOrd="1" presId="urn:microsoft.com/office/officeart/2011/layout/TabList"/>
-    <dgm:cxn modelId="{0AD15C9A-08D8-4914-8F78-DFC17BA8A1D5}" type="presOf" srcId="{CAA2C270-69AB-4958-B200-399365C35491}" destId="{AE16EC6C-82C7-424E-8972-20C88F4F988B}" srcOrd="0" destOrd="0" presId="urn:microsoft.com/office/officeart/2011/layout/TabList"/>
+    <dgm:cxn modelId="{4A6A90C4-5040-4160-8EC3-4DD27C72B57F}" srcId="{FD0039AF-CBCF-4CD2-8C47-3C7A77276521}" destId="{C0947BD2-A439-4F0D-B217-C7E5F52CC31B}" srcOrd="1" destOrd="0" parTransId="{0C32D315-99BA-4BD7-ACE8-EA46F0299455}" sibTransId="{D61D57D1-4DE1-4858-AD47-1E2875C9585A}"/>
     <dgm:cxn modelId="{8A79C69B-2AA9-4AC4-89F9-E45CC31D8FCF}" type="presOf" srcId="{C0947BD2-A439-4F0D-B217-C7E5F52CC31B}" destId="{40D69D2E-5C45-4AEC-BF71-325AFE542F9B}" srcOrd="0" destOrd="0" presId="urn:microsoft.com/office/officeart/2011/layout/TabList"/>
-    <dgm:cxn modelId="{6455359D-C1BA-4887-981E-45DF13F7E3CE}" type="presOf" srcId="{D9D5C681-6CFF-4E27-A97D-5C13D8A2EB3E}" destId="{58AFBADE-EA5A-49C3-AB4E-2B83DE113BB1}" srcOrd="0" destOrd="0" presId="urn:microsoft.com/office/officeart/2011/layout/TabList"/>
-    <dgm:cxn modelId="{7DFCB6B5-D0AF-4ACF-B9CF-C430AC6E3D72}" type="presOf" srcId="{8B804296-FBB8-4E18-B887-D68818B72F79}" destId="{2D729A6B-82CE-4CE4-8326-7749C44B6F5E}" srcOrd="0" destOrd="0" presId="urn:microsoft.com/office/officeart/2011/layout/TabList"/>
-    <dgm:cxn modelId="{4A6A90C4-5040-4160-8EC3-4DD27C72B57F}" srcId="{FD0039AF-CBCF-4CD2-8C47-3C7A77276521}" destId="{C0947BD2-A439-4F0D-B217-C7E5F52CC31B}" srcOrd="1" destOrd="0" parTransId="{0C32D315-99BA-4BD7-ACE8-EA46F0299455}" sibTransId="{D61D57D1-4DE1-4858-AD47-1E2875C9585A}"/>
-    <dgm:cxn modelId="{514E41C6-D80C-4020-9DB2-8D7D095377AB}" type="presOf" srcId="{F82DAB59-0A6E-4D36-B65D-2DCA41685E6C}" destId="{B7FDB7F4-2F3E-4CFA-A6C5-2076E1019E40}" srcOrd="0" destOrd="0" presId="urn:microsoft.com/office/officeart/2011/layout/TabList"/>
-    <dgm:cxn modelId="{624087D4-A898-445B-9F45-2614785A8B5A}" srcId="{CF57DB8E-864A-4781-8B99-DBA3CACF16FF}" destId="{E25BFCCD-225C-446D-8FD4-CAAE4A4F77B4}" srcOrd="1" destOrd="0" parTransId="{B0D74667-35AD-43CD-8166-4F266C3C2F8F}" sibTransId="{EE53DBA0-5327-4734-A408-FCB8C873C89B}"/>
-    <dgm:cxn modelId="{F9B669E0-8753-4D85-8581-99747AC6335B}" srcId="{88B190ED-7A56-450C-BE07-DFBA98FC34DB}" destId="{D9D5C681-6CFF-4E27-A97D-5C13D8A2EB3E}" srcOrd="0" destOrd="0" parTransId="{44FD42D4-5045-46B0-99E5-21E0193A599F}" sibTransId="{4DEE735A-7FAE-4E76-9809-A0F77F7DDA43}"/>
-    <dgm:cxn modelId="{3D8456F0-3751-47F0-A5E4-062A509C2538}" type="presOf" srcId="{E25BFCCD-225C-446D-8FD4-CAAE4A4F77B4}" destId="{A8F174F7-21B3-4A16-B4F3-227E60B00204}" srcOrd="0" destOrd="0" presId="urn:microsoft.com/office/officeart/2011/layout/TabList"/>
-    <dgm:cxn modelId="{B4E54FFC-237E-4561-A1EC-324E8EFDA572}" srcId="{88B190ED-7A56-450C-BE07-DFBA98FC34DB}" destId="{6D4B1DCE-8F45-4637-82BF-9C74F0E070C8}" srcOrd="1" destOrd="0" parTransId="{656F98F4-1424-428C-A319-9C00BCDCE59D}" sibTransId="{43BF85ED-E805-4698-89AA-51724A0ACE92}"/>
     <dgm:cxn modelId="{09F64D8B-8DF5-4378-BEDC-CCB555857892}" type="presParOf" srcId="{B7FDB7F4-2F3E-4CFA-A6C5-2076E1019E40}" destId="{03F619E9-2450-49D9-9D65-060702D7B777}" srcOrd="0" destOrd="0" presId="urn:microsoft.com/office/officeart/2011/layout/TabList"/>
     <dgm:cxn modelId="{A9B4E628-8634-4EF1-89F4-D8C56A88F3AD}" type="presParOf" srcId="{03F619E9-2450-49D9-9D65-060702D7B777}" destId="{58AFBADE-EA5A-49C3-AB4E-2B83DE113BB1}" srcOrd="0" destOrd="0" presId="urn:microsoft.com/office/officeart/2011/layout/TabList"/>
     <dgm:cxn modelId="{8C26B9EF-C500-450D-8571-9799014BB0C5}" type="presParOf" srcId="{03F619E9-2450-49D9-9D65-060702D7B777}" destId="{B76C3CB4-4019-489E-853B-9BE7B95ADDCA}" srcOrd="1" destOrd="0" presId="urn:microsoft.com/office/officeart/2011/layout/TabList"/>
@@ -1710,7 +1780,7 @@
         </a:bodyPr>
         <a:lstStyle/>
         <a:p>
-          <a:pPr marL="0" lvl="0" indent="0" algn="l" defTabSz="1422400">
+          <a:pPr lvl="0" algn="l" defTabSz="1422400">
             <a:lnSpc>
               <a:spcPct val="90000"/>
             </a:lnSpc>
@@ -1720,7 +1790,6 @@
             <a:spcAft>
               <a:spcPct val="35000"/>
             </a:spcAft>
-            <a:buNone/>
           </a:pPr>
           <a:endParaRPr lang="en-IN" sz="3200" kern="1200" dirty="0"/>
         </a:p>
@@ -1787,7 +1856,7 @@
         </a:bodyPr>
         <a:lstStyle/>
         <a:p>
-          <a:pPr marL="0" lvl="0" indent="0" algn="ctr" defTabSz="1422400">
+          <a:pPr lvl="0" algn="ctr" defTabSz="1422400">
             <a:lnSpc>
               <a:spcPct val="90000"/>
             </a:lnSpc>
@@ -1797,7 +1866,6 @@
             <a:spcAft>
               <a:spcPct val="35000"/>
             </a:spcAft>
-            <a:buNone/>
           </a:pPr>
           <a:r>
             <a:rPr lang="en-IN" sz="3200" kern="1200" dirty="0"/>
@@ -1857,7 +1925,7 @@
             <a:spcAft>
               <a:spcPct val="15000"/>
             </a:spcAft>
-            <a:buChar char="•"/>
+            <a:buChar char="••"/>
           </a:pPr>
           <a:r>
             <a:rPr lang="en-IN" sz="2400" kern="1200" dirty="0"/>
@@ -1875,7 +1943,7 @@
             <a:spcAft>
               <a:spcPct val="15000"/>
             </a:spcAft>
-            <a:buChar char="•"/>
+            <a:buChar char="••"/>
           </a:pPr>
           <a:r>
             <a:rPr lang="en-IN" sz="2400" kern="1200" dirty="0"/>
@@ -1893,7 +1961,7 @@
             <a:spcAft>
               <a:spcPct val="15000"/>
             </a:spcAft>
-            <a:buChar char="•"/>
+            <a:buChar char="••"/>
           </a:pPr>
           <a:r>
             <a:rPr lang="en-IN" sz="2400" kern="1200" dirty="0"/>
@@ -1948,7 +2016,7 @@
         </a:bodyPr>
         <a:lstStyle/>
         <a:p>
-          <a:pPr marL="0" lvl="0" indent="0" algn="l" defTabSz="1422400">
+          <a:pPr lvl="0" algn="l" defTabSz="1422400">
             <a:lnSpc>
               <a:spcPct val="90000"/>
             </a:lnSpc>
@@ -1958,7 +2026,6 @@
             <a:spcAft>
               <a:spcPct val="35000"/>
             </a:spcAft>
-            <a:buNone/>
           </a:pPr>
           <a:r>
             <a:rPr lang="en-IN" sz="3200" kern="1200" dirty="0"/>
@@ -2028,7 +2095,7 @@
         </a:bodyPr>
         <a:lstStyle/>
         <a:p>
-          <a:pPr marL="0" lvl="0" indent="0" algn="ctr" defTabSz="1422400">
+          <a:pPr lvl="0" algn="ctr" defTabSz="1422400">
             <a:lnSpc>
               <a:spcPct val="90000"/>
             </a:lnSpc>
@@ -2038,7 +2105,6 @@
             <a:spcAft>
               <a:spcPct val="35000"/>
             </a:spcAft>
-            <a:buNone/>
           </a:pPr>
           <a:r>
             <a:rPr lang="en-IN" sz="3200" kern="1200" dirty="0"/>
@@ -2098,7 +2164,7 @@
             <a:spcAft>
               <a:spcPct val="15000"/>
             </a:spcAft>
-            <a:buChar char="•"/>
+            <a:buChar char="••"/>
           </a:pPr>
           <a:r>
             <a:rPr lang="en-IN" sz="2400" kern="1200" dirty="0"/>
@@ -2116,7 +2182,7 @@
             <a:spcAft>
               <a:spcPct val="15000"/>
             </a:spcAft>
-            <a:buChar char="•"/>
+            <a:buChar char="••"/>
           </a:pPr>
           <a:r>
             <a:rPr lang="en-IN" sz="2400" kern="1200" dirty="0"/>
@@ -2134,7 +2200,7 @@
             <a:spcAft>
               <a:spcPct val="15000"/>
             </a:spcAft>
-            <a:buChar char="•"/>
+            <a:buChar char="••"/>
           </a:pPr>
           <a:r>
             <a:rPr lang="en-IN" sz="2400" kern="1200" dirty="0"/>
@@ -2184,7 +2250,7 @@
         </a:bodyPr>
         <a:lstStyle/>
         <a:p>
-          <a:pPr marL="0" lvl="0" indent="0" algn="l" defTabSz="1422400">
+          <a:pPr lvl="0" algn="l" defTabSz="1422400">
             <a:lnSpc>
               <a:spcPct val="90000"/>
             </a:lnSpc>
@@ -2194,7 +2260,6 @@
             <a:spcAft>
               <a:spcPct val="35000"/>
             </a:spcAft>
-            <a:buNone/>
           </a:pPr>
           <a:r>
             <a:rPr lang="en-IN" sz="3200" kern="1200" dirty="0"/>
@@ -2264,7 +2329,7 @@
         </a:bodyPr>
         <a:lstStyle/>
         <a:p>
-          <a:pPr marL="0" lvl="0" indent="0" algn="ctr" defTabSz="1422400">
+          <a:pPr lvl="0" algn="ctr" defTabSz="1422400">
             <a:lnSpc>
               <a:spcPct val="90000"/>
             </a:lnSpc>
@@ -2274,7 +2339,6 @@
             <a:spcAft>
               <a:spcPct val="35000"/>
             </a:spcAft>
-            <a:buNone/>
           </a:pPr>
           <a:r>
             <a:rPr lang="en-IN" sz="3200" kern="1200" dirty="0"/>
@@ -2334,7 +2398,7 @@
             <a:spcAft>
               <a:spcPct val="15000"/>
             </a:spcAft>
-            <a:buChar char="•"/>
+            <a:buChar char="••"/>
           </a:pPr>
           <a:r>
             <a:rPr lang="en-IN" sz="2400" kern="1200" dirty="0"/>
@@ -3775,7 +3839,7 @@
           <a:p>
             <a:fld id="{57CD36B0-A24E-4F35-A81B-80FB2823EE57}" type="datetimeFigureOut">
               <a:rPr lang="en-IN" smtClean="0"/>
-              <a:t>17-01-2020</a:t>
+              <a:t>22-01-2020</a:t>
             </a:fld>
             <a:endParaRPr lang="en-IN"/>
           </a:p>
@@ -4530,7 +4594,7 @@
           <a:p>
             <a:fld id="{5C88B8DD-83DF-4BBE-AF0E-0B3690546787}" type="datetimeFigureOut">
               <a:rPr lang="en-IN" smtClean="0"/>
-              <a:t>17-01-2020</a:t>
+              <a:t>22-01-2020</a:t>
             </a:fld>
             <a:endParaRPr lang="en-IN"/>
           </a:p>
@@ -4709,7 +4773,7 @@
           <a:p>
             <a:fld id="{5C88B8DD-83DF-4BBE-AF0E-0B3690546787}" type="datetimeFigureOut">
               <a:rPr lang="en-IN" smtClean="0"/>
-              <a:t>17-01-2020</a:t>
+              <a:t>22-01-2020</a:t>
             </a:fld>
             <a:endParaRPr lang="en-IN"/>
           </a:p>
@@ -4889,7 +4953,7 @@
           <a:p>
             <a:fld id="{5C88B8DD-83DF-4BBE-AF0E-0B3690546787}" type="datetimeFigureOut">
               <a:rPr lang="en-IN" smtClean="0"/>
-              <a:t>17-01-2020</a:t>
+              <a:t>22-01-2020</a:t>
             </a:fld>
             <a:endParaRPr lang="en-IN"/>
           </a:p>
@@ -5059,7 +5123,7 @@
           <a:p>
             <a:fld id="{5C88B8DD-83DF-4BBE-AF0E-0B3690546787}" type="datetimeFigureOut">
               <a:rPr lang="en-IN" smtClean="0"/>
-              <a:t>17-01-2020</a:t>
+              <a:t>22-01-2020</a:t>
             </a:fld>
             <a:endParaRPr lang="en-IN"/>
           </a:p>
@@ -5372,7 +5436,7 @@
           <a:p>
             <a:fld id="{5C88B8DD-83DF-4BBE-AF0E-0B3690546787}" type="datetimeFigureOut">
               <a:rPr lang="en-IN" smtClean="0"/>
-              <a:t>17-01-2020</a:t>
+              <a:t>22-01-2020</a:t>
             </a:fld>
             <a:endParaRPr lang="en-IN"/>
           </a:p>
@@ -5758,7 +5822,7 @@
           <a:p>
             <a:fld id="{5C88B8DD-83DF-4BBE-AF0E-0B3690546787}" type="datetimeFigureOut">
               <a:rPr lang="en-IN" smtClean="0"/>
-              <a:t>17-01-2020</a:t>
+              <a:t>22-01-2020</a:t>
             </a:fld>
             <a:endParaRPr lang="en-IN"/>
           </a:p>
@@ -6192,7 +6256,7 @@
           <a:p>
             <a:fld id="{5C88B8DD-83DF-4BBE-AF0E-0B3690546787}" type="datetimeFigureOut">
               <a:rPr lang="en-IN" smtClean="0"/>
-              <a:t>17-01-2020</a:t>
+              <a:t>22-01-2020</a:t>
             </a:fld>
             <a:endParaRPr lang="en-IN"/>
           </a:p>
@@ -6310,7 +6374,7 @@
           <a:p>
             <a:fld id="{5C88B8DD-83DF-4BBE-AF0E-0B3690546787}" type="datetimeFigureOut">
               <a:rPr lang="en-IN" smtClean="0"/>
-              <a:t>17-01-2020</a:t>
+              <a:t>22-01-2020</a:t>
             </a:fld>
             <a:endParaRPr lang="en-IN"/>
           </a:p>
@@ -6405,7 +6469,7 @@
           <a:p>
             <a:fld id="{5C88B8DD-83DF-4BBE-AF0E-0B3690546787}" type="datetimeFigureOut">
               <a:rPr lang="en-IN" smtClean="0"/>
-              <a:t>17-01-2020</a:t>
+              <a:t>22-01-2020</a:t>
             </a:fld>
             <a:endParaRPr lang="en-IN"/>
           </a:p>
@@ -6755,7 +6819,7 @@
           <a:p>
             <a:fld id="{5C88B8DD-83DF-4BBE-AF0E-0B3690546787}" type="datetimeFigureOut">
               <a:rPr lang="en-IN" smtClean="0"/>
-              <a:t>17-01-2020</a:t>
+              <a:t>22-01-2020</a:t>
             </a:fld>
             <a:endParaRPr lang="en-IN"/>
           </a:p>
@@ -7180,7 +7244,7 @@
           <a:p>
             <a:fld id="{5C88B8DD-83DF-4BBE-AF0E-0B3690546787}" type="datetimeFigureOut">
               <a:rPr lang="en-IN" smtClean="0"/>
-              <a:t>17-01-2020</a:t>
+              <a:t>22-01-2020</a:t>
             </a:fld>
             <a:endParaRPr lang="en-IN"/>
           </a:p>
@@ -7461,7 +7525,7 @@
           <a:p>
             <a:fld id="{5C88B8DD-83DF-4BBE-AF0E-0B3690546787}" type="datetimeFigureOut">
               <a:rPr lang="en-IN" smtClean="0"/>
-              <a:t>17-01-2020</a:t>
+              <a:t>22-01-2020</a:t>
             </a:fld>
             <a:endParaRPr lang="en-IN"/>
           </a:p>
@@ -8042,7 +8106,7 @@
           <p:cNvPr id="4" name="Rectangle 3">
             <a:extLst>
               <a:ext uri="{FF2B5EF4-FFF2-40B4-BE49-F238E27FC236}">
-                <a16:creationId xmlns:a16="http://schemas.microsoft.com/office/drawing/2014/main" id="{1887EFD5-B41C-4665-AE9D-3FC679AF0D4F}"/>
+                <a16:creationId xmlns:a16="http://schemas.microsoft.com/office/drawing/2014/main" xmlns="" id="{1887EFD5-B41C-4665-AE9D-3FC679AF0D4F}"/>
               </a:ext>
             </a:extLst>
           </p:cNvPr>
@@ -8076,7 +8140,7 @@
           <p:cNvPr id="5" name="Rectangle 4">
             <a:extLst>
               <a:ext uri="{FF2B5EF4-FFF2-40B4-BE49-F238E27FC236}">
-                <a16:creationId xmlns:a16="http://schemas.microsoft.com/office/drawing/2014/main" id="{ADC52A8D-E31A-4160-9673-D64A1D864267}"/>
+                <a16:creationId xmlns:a16="http://schemas.microsoft.com/office/drawing/2014/main" xmlns="" id="{ADC52A8D-E31A-4160-9673-D64A1D864267}"/>
               </a:ext>
             </a:extLst>
           </p:cNvPr>
@@ -8167,7 +8231,7 @@
           <p:cNvPr id="6" name="Rectangle 5">
             <a:extLst>
               <a:ext uri="{FF2B5EF4-FFF2-40B4-BE49-F238E27FC236}">
-                <a16:creationId xmlns:a16="http://schemas.microsoft.com/office/drawing/2014/main" id="{07D6F7B6-70B0-429B-8E4B-4616943F3F84}"/>
+                <a16:creationId xmlns:a16="http://schemas.microsoft.com/office/drawing/2014/main" xmlns="" id="{07D6F7B6-70B0-429B-8E4B-4616943F3F84}"/>
               </a:ext>
             </a:extLst>
           </p:cNvPr>
@@ -8205,7 +8269,7 @@
           <p:cNvPr id="8" name="Picture 7" descr="A close up of a sign&#10;&#10;Description automatically generated">
             <a:extLst>
               <a:ext uri="{FF2B5EF4-FFF2-40B4-BE49-F238E27FC236}">
-                <a16:creationId xmlns:a16="http://schemas.microsoft.com/office/drawing/2014/main" id="{58103C33-0083-45F0-ACD9-41DAB7070298}"/>
+                <a16:creationId xmlns:a16="http://schemas.microsoft.com/office/drawing/2014/main" xmlns="" id="{58103C33-0083-45F0-ACD9-41DAB7070298}"/>
               </a:ext>
             </a:extLst>
           </p:cNvPr>
@@ -8271,7 +8335,7 @@
           <p:cNvPr id="2" name="Title 1">
             <a:extLst>
               <a:ext uri="{FF2B5EF4-FFF2-40B4-BE49-F238E27FC236}">
-                <a16:creationId xmlns:a16="http://schemas.microsoft.com/office/drawing/2014/main" id="{A5D1617B-42D7-476B-BA5D-B4D83B88600E}"/>
+                <a16:creationId xmlns:a16="http://schemas.microsoft.com/office/drawing/2014/main" xmlns="" id="{A5D1617B-42D7-476B-BA5D-B4D83B88600E}"/>
               </a:ext>
             </a:extLst>
           </p:cNvPr>
@@ -8305,7 +8369,7 @@
           <p:cNvPr id="3" name="Content Placeholder 2">
             <a:extLst>
               <a:ext uri="{FF2B5EF4-FFF2-40B4-BE49-F238E27FC236}">
-                <a16:creationId xmlns:a16="http://schemas.microsoft.com/office/drawing/2014/main" id="{47B6ABDC-2D33-4C8E-A28F-60B54092914F}"/>
+                <a16:creationId xmlns:a16="http://schemas.microsoft.com/office/drawing/2014/main" xmlns="" id="{47B6ABDC-2D33-4C8E-A28F-60B54092914F}"/>
               </a:ext>
             </a:extLst>
           </p:cNvPr>
@@ -8456,7 +8520,7 @@
           <p:cNvPr id="2" name="Title 1">
             <a:extLst>
               <a:ext uri="{FF2B5EF4-FFF2-40B4-BE49-F238E27FC236}">
-                <a16:creationId xmlns:a16="http://schemas.microsoft.com/office/drawing/2014/main" id="{A5D1617B-42D7-476B-BA5D-B4D83B88600E}"/>
+                <a16:creationId xmlns:a16="http://schemas.microsoft.com/office/drawing/2014/main" xmlns="" id="{A5D1617B-42D7-476B-BA5D-B4D83B88600E}"/>
               </a:ext>
             </a:extLst>
           </p:cNvPr>
@@ -8490,7 +8554,7 @@
           <p:cNvPr id="5" name="Content Placeholder 4">
             <a:extLst>
               <a:ext uri="{FF2B5EF4-FFF2-40B4-BE49-F238E27FC236}">
-                <a16:creationId xmlns:a16="http://schemas.microsoft.com/office/drawing/2014/main" id="{D2D36F68-AB64-482F-B9D8-9C34492EAA98}"/>
+                <a16:creationId xmlns:a16="http://schemas.microsoft.com/office/drawing/2014/main" xmlns="" id="{D2D36F68-AB64-482F-B9D8-9C34492EAA98}"/>
               </a:ext>
             </a:extLst>
           </p:cNvPr>
@@ -8905,7 +8969,7 @@
           <p:cNvPr id="2" name="Title 1">
             <a:extLst>
               <a:ext uri="{FF2B5EF4-FFF2-40B4-BE49-F238E27FC236}">
-                <a16:creationId xmlns:a16="http://schemas.microsoft.com/office/drawing/2014/main" id="{A5D1617B-42D7-476B-BA5D-B4D83B88600E}"/>
+                <a16:creationId xmlns:a16="http://schemas.microsoft.com/office/drawing/2014/main" xmlns="" id="{A5D1617B-42D7-476B-BA5D-B4D83B88600E}"/>
               </a:ext>
             </a:extLst>
           </p:cNvPr>
@@ -8939,7 +9003,7 @@
           <p:cNvPr id="3" name="Content Placeholder 2">
             <a:extLst>
               <a:ext uri="{FF2B5EF4-FFF2-40B4-BE49-F238E27FC236}">
-                <a16:creationId xmlns:a16="http://schemas.microsoft.com/office/drawing/2014/main" id="{C47810F3-0207-46C6-B45D-155BAED5B9C2}"/>
+                <a16:creationId xmlns:a16="http://schemas.microsoft.com/office/drawing/2014/main" xmlns="" id="{C47810F3-0207-46C6-B45D-155BAED5B9C2}"/>
               </a:ext>
             </a:extLst>
           </p:cNvPr>
@@ -9000,7 +9064,7 @@
           <p:cNvPr id="2" name="Title 1">
             <a:extLst>
               <a:ext uri="{FF2B5EF4-FFF2-40B4-BE49-F238E27FC236}">
-                <a16:creationId xmlns:a16="http://schemas.microsoft.com/office/drawing/2014/main" id="{D183EFFA-4F3E-444D-84B1-C7F7C9EC4B92}"/>
+                <a16:creationId xmlns:a16="http://schemas.microsoft.com/office/drawing/2014/main" xmlns="" id="{D183EFFA-4F3E-444D-84B1-C7F7C9EC4B92}"/>
               </a:ext>
             </a:extLst>
           </p:cNvPr>
@@ -9039,13 +9103,7 @@
       </p:sp>
       <p:pic>
         <p:nvPicPr>
-          <p:cNvPr id="5" name="Content Placeholder 4" descr="A picture containing text, map&#10;&#10;Description automatically generated">
-            <a:extLst>
-              <a:ext uri="{FF2B5EF4-FFF2-40B4-BE49-F238E27FC236}">
-                <a16:creationId xmlns:a16="http://schemas.microsoft.com/office/drawing/2014/main" id="{4960946E-94CB-487F-9EDD-E10E88067DEE}"/>
-              </a:ext>
-            </a:extLst>
-          </p:cNvPr>
+          <p:cNvPr id="4" name="Content Placeholder 3"/>
           <p:cNvPicPr>
             <a:picLocks noGrp="1" noChangeAspect="1"/>
           </p:cNvPicPr>
@@ -9067,8 +9125,8 @@
         </p:blipFill>
         <p:spPr>
           <a:xfrm>
-            <a:off x="481263" y="962527"/>
-            <a:ext cx="10651958" cy="5743074"/>
+            <a:off x="1410037" y="991760"/>
+            <a:ext cx="8899556" cy="5796076"/>
           </a:xfrm>
         </p:spPr>
       </p:pic>
@@ -9107,7 +9165,7 @@
           <p:cNvPr id="2" name="Title 1">
             <a:extLst>
               <a:ext uri="{FF2B5EF4-FFF2-40B4-BE49-F238E27FC236}">
-                <a16:creationId xmlns:a16="http://schemas.microsoft.com/office/drawing/2014/main" id="{D183EFFA-4F3E-444D-84B1-C7F7C9EC4B92}"/>
+                <a16:creationId xmlns:a16="http://schemas.microsoft.com/office/drawing/2014/main" xmlns="" id="{D183EFFA-4F3E-444D-84B1-C7F7C9EC4B92}"/>
               </a:ext>
             </a:extLst>
           </p:cNvPr>
@@ -9151,7 +9209,7 @@
           <p:cNvPr id="7" name="Content Placeholder 6">
             <a:extLst>
               <a:ext uri="{FF2B5EF4-FFF2-40B4-BE49-F238E27FC236}">
-                <a16:creationId xmlns:a16="http://schemas.microsoft.com/office/drawing/2014/main" id="{50D62D4B-76A1-4188-8D27-1E0C381AF5A9}"/>
+                <a16:creationId xmlns:a16="http://schemas.microsoft.com/office/drawing/2014/main" xmlns="" id="{50D62D4B-76A1-4188-8D27-1E0C381AF5A9}"/>
               </a:ext>
             </a:extLst>
           </p:cNvPr>
